--- a/documents/EAC-ISBA/eac-isba-slides.pptx
+++ b/documents/EAC-ISBA/eac-isba-slides.pptx
@@ -19,6 +19,8 @@
     <p:sldId id="268" r:id="rId13"/>
     <p:sldId id="269" r:id="rId14"/>
     <p:sldId id="270" r:id="rId15"/>
+    <p:sldId id="271" r:id="rId16"/>
+    <p:sldId id="272" r:id="rId17"/>
   </p:sldIdLst>
   <p:sldSz cx="12192000" cy="6858000"/>
   <p:notesSz cx="6858000" cy="9144000"/>
@@ -272,7 +274,7 @@
           <a:p>
             <a:fld id="{40C6D911-9624-4212-A1A7-630B5AF113EC}" type="datetimeFigureOut">
               <a:rPr lang="en-US" smtClean="0"/>
-              <a:t>11/11/2021</a:t>
+              <a:t>11/14/2021</a:t>
             </a:fld>
             <a:endParaRPr lang="en-US"/>
           </a:p>
@@ -470,7 +472,7 @@
           <a:p>
             <a:fld id="{40C6D911-9624-4212-A1A7-630B5AF113EC}" type="datetimeFigureOut">
               <a:rPr lang="en-US" smtClean="0"/>
-              <a:t>11/11/2021</a:t>
+              <a:t>11/14/2021</a:t>
             </a:fld>
             <a:endParaRPr lang="en-US"/>
           </a:p>
@@ -678,7 +680,7 @@
           <a:p>
             <a:fld id="{40C6D911-9624-4212-A1A7-630B5AF113EC}" type="datetimeFigureOut">
               <a:rPr lang="en-US" smtClean="0"/>
-              <a:t>11/11/2021</a:t>
+              <a:t>11/14/2021</a:t>
             </a:fld>
             <a:endParaRPr lang="en-US"/>
           </a:p>
@@ -876,7 +878,7 @@
           <a:p>
             <a:fld id="{40C6D911-9624-4212-A1A7-630B5AF113EC}" type="datetimeFigureOut">
               <a:rPr lang="en-US" smtClean="0"/>
-              <a:t>11/11/2021</a:t>
+              <a:t>11/14/2021</a:t>
             </a:fld>
             <a:endParaRPr lang="en-US"/>
           </a:p>
@@ -1151,7 +1153,7 @@
           <a:p>
             <a:fld id="{40C6D911-9624-4212-A1A7-630B5AF113EC}" type="datetimeFigureOut">
               <a:rPr lang="en-US" smtClean="0"/>
-              <a:t>11/11/2021</a:t>
+              <a:t>11/14/2021</a:t>
             </a:fld>
             <a:endParaRPr lang="en-US"/>
           </a:p>
@@ -1416,7 +1418,7 @@
           <a:p>
             <a:fld id="{40C6D911-9624-4212-A1A7-630B5AF113EC}" type="datetimeFigureOut">
               <a:rPr lang="en-US" smtClean="0"/>
-              <a:t>11/11/2021</a:t>
+              <a:t>11/14/2021</a:t>
             </a:fld>
             <a:endParaRPr lang="en-US"/>
           </a:p>
@@ -1828,7 +1830,7 @@
           <a:p>
             <a:fld id="{40C6D911-9624-4212-A1A7-630B5AF113EC}" type="datetimeFigureOut">
               <a:rPr lang="en-US" smtClean="0"/>
-              <a:t>11/11/2021</a:t>
+              <a:t>11/14/2021</a:t>
             </a:fld>
             <a:endParaRPr lang="en-US"/>
           </a:p>
@@ -1969,7 +1971,7 @@
           <a:p>
             <a:fld id="{40C6D911-9624-4212-A1A7-630B5AF113EC}" type="datetimeFigureOut">
               <a:rPr lang="en-US" smtClean="0"/>
-              <a:t>11/11/2021</a:t>
+              <a:t>11/14/2021</a:t>
             </a:fld>
             <a:endParaRPr lang="en-US"/>
           </a:p>
@@ -2082,7 +2084,7 @@
           <a:p>
             <a:fld id="{40C6D911-9624-4212-A1A7-630B5AF113EC}" type="datetimeFigureOut">
               <a:rPr lang="en-US" smtClean="0"/>
-              <a:t>11/11/2021</a:t>
+              <a:t>11/14/2021</a:t>
             </a:fld>
             <a:endParaRPr lang="en-US"/>
           </a:p>
@@ -2393,7 +2395,7 @@
           <a:p>
             <a:fld id="{40C6D911-9624-4212-A1A7-630B5AF113EC}" type="datetimeFigureOut">
               <a:rPr lang="en-US" smtClean="0"/>
-              <a:t>11/11/2021</a:t>
+              <a:t>11/14/2021</a:t>
             </a:fld>
             <a:endParaRPr lang="en-US"/>
           </a:p>
@@ -2681,7 +2683,7 @@
           <a:p>
             <a:fld id="{40C6D911-9624-4212-A1A7-630B5AF113EC}" type="datetimeFigureOut">
               <a:rPr lang="en-US" smtClean="0"/>
-              <a:t>11/11/2021</a:t>
+              <a:t>11/14/2021</a:t>
             </a:fld>
             <a:endParaRPr lang="en-US"/>
           </a:p>
@@ -2922,7 +2924,7 @@
           <a:p>
             <a:fld id="{40C6D911-9624-4212-A1A7-630B5AF113EC}" type="datetimeFigureOut">
               <a:rPr lang="en-US" smtClean="0"/>
-              <a:t>11/11/2021</a:t>
+              <a:t>11/14/2021</a:t>
             </a:fld>
             <a:endParaRPr lang="en-US"/>
           </a:p>
@@ -4471,6 +4473,2376 @@
     <p:extLst>
       <p:ext uri="{BB962C8B-B14F-4D97-AF65-F5344CB8AC3E}">
         <p14:creationId xmlns:p14="http://schemas.microsoft.com/office/powerpoint/2010/main" val="4113591401"/>
+      </p:ext>
+    </p:extLst>
+  </p:cSld>
+  <p:clrMapOvr>
+    <a:masterClrMapping/>
+  </p:clrMapOvr>
+</p:sld>
+</file>
+
+<file path=ppt/slides/slide15.xml><?xml version="1.0" encoding="utf-8"?>
+<p:sld xmlns:a="http://schemas.openxmlformats.org/drawingml/2006/main" xmlns:r="http://schemas.openxmlformats.org/officeDocument/2006/relationships" xmlns:p="http://schemas.openxmlformats.org/presentationml/2006/main">
+  <p:cSld>
+    <p:spTree>
+      <p:nvGrpSpPr>
+        <p:cNvPr id="1" name=""/>
+        <p:cNvGrpSpPr/>
+        <p:nvPr/>
+      </p:nvGrpSpPr>
+      <p:grpSpPr>
+        <a:xfrm>
+          <a:off x="0" y="0"/>
+          <a:ext cx="0" cy="0"/>
+          <a:chOff x="0" y="0"/>
+          <a:chExt cx="0" cy="0"/>
+        </a:xfrm>
+      </p:grpSpPr>
+      <p:sp>
+        <p:nvSpPr>
+          <p:cNvPr id="2" name="Title 1">
+            <a:extLst>
+              <a:ext uri="{FF2B5EF4-FFF2-40B4-BE49-F238E27FC236}">
+                <a16:creationId xmlns:a16="http://schemas.microsoft.com/office/drawing/2014/main" id="{32B8565B-9482-431C-93CA-484F5EE0BF11}"/>
+              </a:ext>
+            </a:extLst>
+          </p:cNvPr>
+          <p:cNvSpPr>
+            <a:spLocks noGrp="1"/>
+          </p:cNvSpPr>
+          <p:nvPr>
+            <p:ph type="title"/>
+          </p:nvPr>
+        </p:nvSpPr>
+        <p:spPr/>
+        <p:txBody>
+          <a:bodyPr/>
+          <a:lstStyle/>
+          <a:p>
+            <a:r>
+              <a:rPr lang="en-US" dirty="0"/>
+              <a:t>Appendix</a:t>
+            </a:r>
+          </a:p>
+        </p:txBody>
+      </p:sp>
+      <mc:AlternateContent xmlns:mc="http://schemas.openxmlformats.org/markup-compatibility/2006">
+        <mc:Choice xmlns:a14="http://schemas.microsoft.com/office/drawing/2010/main" Requires="a14">
+          <p:sp>
+            <p:nvSpPr>
+              <p:cNvPr id="3" name="Content Placeholder 2">
+                <a:extLst>
+                  <a:ext uri="{FF2B5EF4-FFF2-40B4-BE49-F238E27FC236}">
+                    <a16:creationId xmlns:a16="http://schemas.microsoft.com/office/drawing/2014/main" id="{70346B15-5161-4B3B-8BE9-19B575AA58B4}"/>
+                  </a:ext>
+                </a:extLst>
+              </p:cNvPr>
+              <p:cNvSpPr>
+                <a:spLocks noGrp="1"/>
+              </p:cNvSpPr>
+              <p:nvPr>
+                <p:ph idx="1"/>
+              </p:nvPr>
+            </p:nvSpPr>
+            <p:spPr/>
+            <p:txBody>
+              <a:bodyPr/>
+              <a:lstStyle/>
+              <a:p>
+                <a:r>
+                  <a:rPr lang="en-US" dirty="0"/>
+                  <a:t>Why not update clusters based on prior </a:t>
+                </a:r>
+                <a14:m>
+                  <m:oMath xmlns:m="http://schemas.openxmlformats.org/officeDocument/2006/math">
+                    <m:sSubSup>
+                      <m:sSubSupPr>
+                        <m:ctrlPr>
+                          <a:rPr kumimoji="0" lang="en-US" sz="2800" b="1" i="1" u="none" strike="noStrike" kern="1200" cap="none" spc="0" normalizeH="0" baseline="0" noProof="0" smtClean="0">
+                            <a:ln>
+                              <a:noFill/>
+                            </a:ln>
+                            <a:solidFill>
+                              <a:prstClr val="black"/>
+                            </a:solidFill>
+                            <a:effectLst/>
+                            <a:uLnTx/>
+                            <a:uFillTx/>
+                            <a:latin typeface="Cambria Math" panose="02040503050406030204" pitchFamily="18" charset="0"/>
+                            <a:ea typeface="等线" panose="02010600030101010101" pitchFamily="2" charset="-122"/>
+                            <a:cs typeface="Times New Roman" panose="02020603050405020304" pitchFamily="18" charset="0"/>
+                          </a:rPr>
+                        </m:ctrlPr>
+                      </m:sSubSupPr>
+                      <m:e>
+                        <m:r>
+                          <a:rPr kumimoji="0" lang="en-US" sz="2800" b="1" i="1" u="none" strike="noStrike" kern="1200" cap="none" spc="0" normalizeH="0" baseline="0" noProof="0">
+                            <a:ln>
+                              <a:noFill/>
+                            </a:ln>
+                            <a:solidFill>
+                              <a:prstClr val="black"/>
+                            </a:solidFill>
+                            <a:effectLst/>
+                            <a:uLnTx/>
+                            <a:uFillTx/>
+                            <a:latin typeface="Cambria Math" panose="02040503050406030204" pitchFamily="18" charset="0"/>
+                            <a:ea typeface="等线" panose="02010600030101010101" pitchFamily="2" charset="-122"/>
+                            <a:cs typeface="Times New Roman" panose="02020603050405020304" pitchFamily="18" charset="0"/>
+                          </a:rPr>
+                          <m:t>𝝁</m:t>
+                        </m:r>
+                      </m:e>
+                      <m:sub>
+                        <m:r>
+                          <a:rPr kumimoji="0" lang="en-US" sz="2800" b="1" i="1" u="none" strike="noStrike" kern="1200" cap="none" spc="0" normalizeH="0" baseline="0" noProof="0">
+                            <a:ln>
+                              <a:noFill/>
+                            </a:ln>
+                            <a:solidFill>
+                              <a:prstClr val="black"/>
+                            </a:solidFill>
+                            <a:effectLst/>
+                            <a:uLnTx/>
+                            <a:uFillTx/>
+                            <a:latin typeface="Cambria Math" panose="02040503050406030204" pitchFamily="18" charset="0"/>
+                            <a:ea typeface="等线" panose="02010600030101010101" pitchFamily="2" charset="-122"/>
+                            <a:cs typeface="Times New Roman" panose="02020603050405020304" pitchFamily="18" charset="0"/>
+                          </a:rPr>
+                          <m:t>𝑑𝑐</m:t>
+                        </m:r>
+                      </m:sub>
+                      <m:sup>
+                        <m:d>
+                          <m:dPr>
+                            <m:ctrlPr>
+                              <a:rPr kumimoji="0" lang="en-US" sz="2800" b="1" i="1" u="none" strike="noStrike" kern="1200" cap="none" spc="0" normalizeH="0" baseline="0" noProof="0">
+                                <a:ln>
+                                  <a:noFill/>
+                                </a:ln>
+                                <a:solidFill>
+                                  <a:prstClr val="black"/>
+                                </a:solidFill>
+                                <a:effectLst/>
+                                <a:uLnTx/>
+                                <a:uFillTx/>
+                                <a:latin typeface="Cambria Math" panose="02040503050406030204" pitchFamily="18" charset="0"/>
+                                <a:ea typeface="等线" panose="02010600030101010101" pitchFamily="2" charset="-122"/>
+                                <a:cs typeface="Times New Roman" panose="02020603050405020304" pitchFamily="18" charset="0"/>
+                              </a:rPr>
+                            </m:ctrlPr>
+                          </m:dPr>
+                          <m:e>
+                            <m:sSub>
+                              <m:sSubPr>
+                                <m:ctrlPr>
+                                  <a:rPr kumimoji="0" lang="en-US" sz="2800" b="1" i="1" u="none" strike="noStrike" kern="1200" cap="none" spc="0" normalizeH="0" baseline="0" noProof="0">
+                                    <a:ln>
+                                      <a:noFill/>
+                                    </a:ln>
+                                    <a:solidFill>
+                                      <a:prstClr val="black"/>
+                                    </a:solidFill>
+                                    <a:effectLst/>
+                                    <a:uLnTx/>
+                                    <a:uFillTx/>
+                                    <a:latin typeface="Cambria Math" panose="02040503050406030204" pitchFamily="18" charset="0"/>
+                                    <a:ea typeface="等线" panose="02010600030101010101" pitchFamily="2" charset="-122"/>
+                                    <a:cs typeface="Times New Roman" panose="02020603050405020304" pitchFamily="18" charset="0"/>
+                                  </a:rPr>
+                                </m:ctrlPr>
+                              </m:sSubPr>
+                              <m:e>
+                                <m:r>
+                                  <a:rPr kumimoji="0" lang="en-US" sz="2800" b="1" i="1" u="none" strike="noStrike" kern="1200" cap="none" spc="0" normalizeH="0" baseline="0" noProof="0">
+                                    <a:ln>
+                                      <a:noFill/>
+                                    </a:ln>
+                                    <a:solidFill>
+                                      <a:prstClr val="black"/>
+                                    </a:solidFill>
+                                    <a:effectLst/>
+                                    <a:uLnTx/>
+                                    <a:uFillTx/>
+                                    <a:latin typeface="Cambria Math" panose="02040503050406030204" pitchFamily="18" charset="0"/>
+                                    <a:ea typeface="等线" panose="02010600030101010101" pitchFamily="2" charset="-122"/>
+                                    <a:cs typeface="Times New Roman" panose="02020603050405020304" pitchFamily="18" charset="0"/>
+                                  </a:rPr>
+                                  <m:t>𝑧</m:t>
+                                </m:r>
+                              </m:e>
+                              <m:sub>
+                                <m:r>
+                                  <a:rPr kumimoji="0" lang="en-US" sz="2800" b="1" i="1" u="none" strike="noStrike" kern="1200" cap="none" spc="0" normalizeH="0" baseline="0" noProof="0">
+                                    <a:ln>
+                                      <a:noFill/>
+                                    </a:ln>
+                                    <a:solidFill>
+                                      <a:prstClr val="black"/>
+                                    </a:solidFill>
+                                    <a:effectLst/>
+                                    <a:uLnTx/>
+                                    <a:uFillTx/>
+                                    <a:latin typeface="Cambria Math" panose="02040503050406030204" pitchFamily="18" charset="0"/>
+                                    <a:ea typeface="等线" panose="02010600030101010101" pitchFamily="2" charset="-122"/>
+                                    <a:cs typeface="Times New Roman" panose="02020603050405020304" pitchFamily="18" charset="0"/>
+                                  </a:rPr>
+                                  <m:t>𝑖</m:t>
+                                </m:r>
+                              </m:sub>
+                            </m:sSub>
+                          </m:e>
+                        </m:d>
+                      </m:sup>
+                    </m:sSubSup>
+                    <m:r>
+                      <a:rPr kumimoji="0" lang="en-US" sz="2800" b="1" i="1" u="none" strike="noStrike" kern="1200" cap="none" spc="0" normalizeH="0" baseline="0" noProof="0">
+                        <a:ln>
+                          <a:noFill/>
+                        </a:ln>
+                        <a:solidFill>
+                          <a:prstClr val="black"/>
+                        </a:solidFill>
+                        <a:effectLst/>
+                        <a:uLnTx/>
+                        <a:uFillTx/>
+                        <a:latin typeface="Cambria Math" panose="02040503050406030204" pitchFamily="18" charset="0"/>
+                        <a:ea typeface="等线" panose="02010600030101010101" pitchFamily="2" charset="-122"/>
+                        <a:cs typeface="Times New Roman" panose="02020603050405020304" pitchFamily="18" charset="0"/>
+                      </a:rPr>
+                      <m:t>, </m:t>
+                    </m:r>
+                    <m:sSubSup>
+                      <m:sSubSupPr>
+                        <m:ctrlPr>
+                          <a:rPr kumimoji="0" lang="en-US" sz="2800" b="1" i="1" u="none" strike="noStrike" kern="1200" cap="none" spc="0" normalizeH="0" baseline="0" noProof="0">
+                            <a:ln>
+                              <a:noFill/>
+                            </a:ln>
+                            <a:solidFill>
+                              <a:prstClr val="black"/>
+                            </a:solidFill>
+                            <a:effectLst/>
+                            <a:uLnTx/>
+                            <a:uFillTx/>
+                            <a:latin typeface="Cambria Math" panose="02040503050406030204" pitchFamily="18" charset="0"/>
+                            <a:ea typeface="等线" panose="02010600030101010101" pitchFamily="2" charset="-122"/>
+                            <a:cs typeface="Times New Roman" panose="02020603050405020304" pitchFamily="18" charset="0"/>
+                          </a:rPr>
+                        </m:ctrlPr>
+                      </m:sSubSupPr>
+                      <m:e>
+                        <m:r>
+                          <a:rPr kumimoji="0" lang="en-US" sz="2800" b="1" i="1" u="none" strike="noStrike" kern="1200" cap="none" spc="0" normalizeH="0" baseline="0" noProof="0">
+                            <a:ln>
+                              <a:noFill/>
+                            </a:ln>
+                            <a:solidFill>
+                              <a:prstClr val="black"/>
+                            </a:solidFill>
+                            <a:effectLst/>
+                            <a:uLnTx/>
+                            <a:uFillTx/>
+                            <a:latin typeface="Cambria Math" panose="02040503050406030204" pitchFamily="18" charset="0"/>
+                            <a:ea typeface="等线" panose="02010600030101010101" pitchFamily="2" charset="-122"/>
+                            <a:cs typeface="Times New Roman" panose="02020603050405020304" pitchFamily="18" charset="0"/>
+                          </a:rPr>
+                          <m:t>𝚺</m:t>
+                        </m:r>
+                      </m:e>
+                      <m:sub>
+                        <m:r>
+                          <a:rPr kumimoji="0" lang="en-US" sz="2800" b="1" i="1" u="none" strike="noStrike" kern="1200" cap="none" spc="0" normalizeH="0" baseline="0" noProof="0">
+                            <a:ln>
+                              <a:noFill/>
+                            </a:ln>
+                            <a:solidFill>
+                              <a:prstClr val="black"/>
+                            </a:solidFill>
+                            <a:effectLst/>
+                            <a:uLnTx/>
+                            <a:uFillTx/>
+                            <a:latin typeface="Cambria Math" panose="02040503050406030204" pitchFamily="18" charset="0"/>
+                            <a:ea typeface="等线" panose="02010600030101010101" pitchFamily="2" charset="-122"/>
+                            <a:cs typeface="Times New Roman" panose="02020603050405020304" pitchFamily="18" charset="0"/>
+                          </a:rPr>
+                          <m:t>𝑑𝑐</m:t>
+                        </m:r>
+                      </m:sub>
+                      <m:sup>
+                        <m:d>
+                          <m:dPr>
+                            <m:ctrlPr>
+                              <a:rPr kumimoji="0" lang="en-US" sz="2800" b="1" i="1" u="none" strike="noStrike" kern="1200" cap="none" spc="0" normalizeH="0" baseline="0" noProof="0">
+                                <a:ln>
+                                  <a:noFill/>
+                                </a:ln>
+                                <a:solidFill>
+                                  <a:prstClr val="black"/>
+                                </a:solidFill>
+                                <a:effectLst/>
+                                <a:uLnTx/>
+                                <a:uFillTx/>
+                                <a:latin typeface="Cambria Math" panose="02040503050406030204" pitchFamily="18" charset="0"/>
+                                <a:ea typeface="等线" panose="02010600030101010101" pitchFamily="2" charset="-122"/>
+                                <a:cs typeface="Times New Roman" panose="02020603050405020304" pitchFamily="18" charset="0"/>
+                              </a:rPr>
+                            </m:ctrlPr>
+                          </m:dPr>
+                          <m:e>
+                            <m:sSub>
+                              <m:sSubPr>
+                                <m:ctrlPr>
+                                  <a:rPr kumimoji="0" lang="en-US" sz="2800" b="1" i="1" u="none" strike="noStrike" kern="1200" cap="none" spc="0" normalizeH="0" baseline="0" noProof="0">
+                                    <a:ln>
+                                      <a:noFill/>
+                                    </a:ln>
+                                    <a:solidFill>
+                                      <a:prstClr val="black"/>
+                                    </a:solidFill>
+                                    <a:effectLst/>
+                                    <a:uLnTx/>
+                                    <a:uFillTx/>
+                                    <a:latin typeface="Cambria Math" panose="02040503050406030204" pitchFamily="18" charset="0"/>
+                                    <a:ea typeface="等线" panose="02010600030101010101" pitchFamily="2" charset="-122"/>
+                                    <a:cs typeface="Times New Roman" panose="02020603050405020304" pitchFamily="18" charset="0"/>
+                                  </a:rPr>
+                                </m:ctrlPr>
+                              </m:sSubPr>
+                              <m:e>
+                                <m:r>
+                                  <a:rPr kumimoji="0" lang="en-US" sz="2800" b="1" i="1" u="none" strike="noStrike" kern="1200" cap="none" spc="0" normalizeH="0" baseline="0" noProof="0">
+                                    <a:ln>
+                                      <a:noFill/>
+                                    </a:ln>
+                                    <a:solidFill>
+                                      <a:prstClr val="black"/>
+                                    </a:solidFill>
+                                    <a:effectLst/>
+                                    <a:uLnTx/>
+                                    <a:uFillTx/>
+                                    <a:latin typeface="Cambria Math" panose="02040503050406030204" pitchFamily="18" charset="0"/>
+                                    <a:ea typeface="等线" panose="02010600030101010101" pitchFamily="2" charset="-122"/>
+                                    <a:cs typeface="Times New Roman" panose="02020603050405020304" pitchFamily="18" charset="0"/>
+                                  </a:rPr>
+                                  <m:t>𝑧</m:t>
+                                </m:r>
+                              </m:e>
+                              <m:sub>
+                                <m:r>
+                                  <a:rPr kumimoji="0" lang="en-US" sz="2800" b="1" i="1" u="none" strike="noStrike" kern="1200" cap="none" spc="0" normalizeH="0" baseline="0" noProof="0">
+                                    <a:ln>
+                                      <a:noFill/>
+                                    </a:ln>
+                                    <a:solidFill>
+                                      <a:prstClr val="black"/>
+                                    </a:solidFill>
+                                    <a:effectLst/>
+                                    <a:uLnTx/>
+                                    <a:uFillTx/>
+                                    <a:latin typeface="Cambria Math" panose="02040503050406030204" pitchFamily="18" charset="0"/>
+                                    <a:ea typeface="等线" panose="02010600030101010101" pitchFamily="2" charset="-122"/>
+                                    <a:cs typeface="Times New Roman" panose="02020603050405020304" pitchFamily="18" charset="0"/>
+                                  </a:rPr>
+                                  <m:t>𝑖</m:t>
+                                </m:r>
+                              </m:sub>
+                            </m:sSub>
+                          </m:e>
+                        </m:d>
+                      </m:sup>
+                    </m:sSubSup>
+                  </m:oMath>
+                </a14:m>
+                <a:r>
+                  <a:rPr lang="en-US" dirty="0"/>
+                  <a:t> ? </a:t>
+                </a:r>
+                <a:r>
+                  <a:rPr lang="en-US" dirty="0">
+                    <a:sym typeface="Wingdings" panose="05000000000000000000" pitchFamily="2" charset="2"/>
+                  </a:rPr>
+                  <a:t></a:t>
+                </a:r>
+              </a:p>
+              <a:p>
+                <a:pPr lvl="1"/>
+                <a:r>
+                  <a:rPr lang="en-US" baseline="0" dirty="0">
+                    <a:solidFill>
+                      <a:prstClr val="black"/>
+                    </a:solidFill>
+                    <a:latin typeface="Calibri" panose="020F0502020204030204"/>
+                    <a:sym typeface="Wingdings" panose="05000000000000000000" pitchFamily="2" charset="2"/>
+                  </a:rPr>
+                  <a:t>No need to make</a:t>
+                </a:r>
+                <a:r>
+                  <a:rPr kumimoji="0" lang="en-US" b="0" i="0" u="none" strike="noStrike" kern="1200" cap="none" spc="0" normalizeH="0" baseline="0" noProof="0" dirty="0">
+                    <a:ln>
+                      <a:noFill/>
+                    </a:ln>
+                    <a:solidFill>
+                      <a:prstClr val="black"/>
+                    </a:solidFill>
+                    <a:effectLst/>
+                    <a:uLnTx/>
+                    <a:uFillTx/>
+                    <a:latin typeface="Calibri" panose="020F0502020204030204"/>
+                    <a:ea typeface="+mn-ea"/>
+                    <a:cs typeface="+mn-cs"/>
+                  </a:rPr>
+                  <a:t> </a:t>
+                </a:r>
+                <a14:m>
+                  <m:oMath xmlns:m="http://schemas.openxmlformats.org/officeDocument/2006/math">
+                    <m:sSubSup>
+                      <m:sSubSupPr>
+                        <m:ctrlPr>
+                          <a:rPr lang="en-US" i="1" smtClean="0">
+                            <a:solidFill>
+                              <a:schemeClr val="tx1"/>
+                            </a:solidFill>
+                            <a:effectLst/>
+                            <a:latin typeface="Cambria Math" panose="02040503050406030204" pitchFamily="18" charset="0"/>
+                            <a:ea typeface="等线" panose="02010600030101010101" pitchFamily="2" charset="-122"/>
+                            <a:cs typeface="Times New Roman" panose="02020603050405020304" pitchFamily="18" charset="0"/>
+                          </a:rPr>
+                        </m:ctrlPr>
+                      </m:sSubSupPr>
+                      <m:e>
+                        <m:r>
+                          <a:rPr lang="en-US" i="1">
+                            <a:solidFill>
+                              <a:schemeClr val="tx1"/>
+                            </a:solidFill>
+                            <a:effectLst/>
+                            <a:latin typeface="Cambria Math" panose="02040503050406030204" pitchFamily="18" charset="0"/>
+                            <a:ea typeface="等线" panose="02010600030101010101" pitchFamily="2" charset="-122"/>
+                            <a:cs typeface="Times New Roman" panose="02020603050405020304" pitchFamily="18" charset="0"/>
+                          </a:rPr>
+                          <m:t>𝑑</m:t>
+                        </m:r>
+                      </m:e>
+                      <m:sub>
+                        <m:r>
+                          <a:rPr lang="en-US" i="1">
+                            <a:solidFill>
+                              <a:schemeClr val="tx1"/>
+                            </a:solidFill>
+                            <a:effectLst/>
+                            <a:latin typeface="Cambria Math" panose="02040503050406030204" pitchFamily="18" charset="0"/>
+                            <a:ea typeface="等线" panose="02010600030101010101" pitchFamily="2" charset="-122"/>
+                            <a:cs typeface="Times New Roman" panose="02020603050405020304" pitchFamily="18" charset="0"/>
+                          </a:rPr>
+                          <m:t>𝑖</m:t>
+                        </m:r>
+                      </m:sub>
+                      <m:sup>
+                        <m:d>
+                          <m:dPr>
+                            <m:ctrlPr>
+                              <a:rPr lang="en-US" i="1">
+                                <a:solidFill>
+                                  <a:schemeClr val="tx1"/>
+                                </a:solidFill>
+                                <a:effectLst/>
+                                <a:latin typeface="Cambria Math" panose="02040503050406030204" pitchFamily="18" charset="0"/>
+                                <a:ea typeface="等线" panose="02010600030101010101" pitchFamily="2" charset="-122"/>
+                                <a:cs typeface="Times New Roman" panose="02020603050405020304" pitchFamily="18" charset="0"/>
+                              </a:rPr>
+                            </m:ctrlPr>
+                          </m:dPr>
+                          <m:e>
+                            <m:sSub>
+                              <m:sSubPr>
+                                <m:ctrlPr>
+                                  <a:rPr lang="en-US" i="1">
+                                    <a:solidFill>
+                                      <a:schemeClr val="tx1"/>
+                                    </a:solidFill>
+                                    <a:effectLst/>
+                                    <a:latin typeface="Cambria Math" panose="02040503050406030204" pitchFamily="18" charset="0"/>
+                                    <a:ea typeface="等线" panose="02010600030101010101" pitchFamily="2" charset="-122"/>
+                                    <a:cs typeface="Times New Roman" panose="02020603050405020304" pitchFamily="18" charset="0"/>
+                                  </a:rPr>
+                                </m:ctrlPr>
+                              </m:sSubPr>
+                              <m:e>
+                                <m:r>
+                                  <a:rPr lang="en-US" i="1">
+                                    <a:solidFill>
+                                      <a:schemeClr val="tx1"/>
+                                    </a:solidFill>
+                                    <a:effectLst/>
+                                    <a:latin typeface="Cambria Math" panose="02040503050406030204" pitchFamily="18" charset="0"/>
+                                    <a:ea typeface="等线" panose="02010600030101010101" pitchFamily="2" charset="-122"/>
+                                    <a:cs typeface="Times New Roman" panose="02020603050405020304" pitchFamily="18" charset="0"/>
+                                  </a:rPr>
+                                  <m:t>𝑧</m:t>
+                                </m:r>
+                              </m:e>
+                              <m:sub>
+                                <m:r>
+                                  <a:rPr lang="en-US" i="1">
+                                    <a:solidFill>
+                                      <a:schemeClr val="tx1"/>
+                                    </a:solidFill>
+                                    <a:effectLst/>
+                                    <a:latin typeface="Cambria Math" panose="02040503050406030204" pitchFamily="18" charset="0"/>
+                                    <a:ea typeface="等线" panose="02010600030101010101" pitchFamily="2" charset="-122"/>
+                                    <a:cs typeface="Times New Roman" panose="02020603050405020304" pitchFamily="18" charset="0"/>
+                                  </a:rPr>
+                                  <m:t>𝑖</m:t>
+                                </m:r>
+                              </m:sub>
+                            </m:sSub>
+                          </m:e>
+                        </m:d>
+                      </m:sup>
+                    </m:sSubSup>
+                  </m:oMath>
+                </a14:m>
+                <a:r>
+                  <a:rPr lang="en-US" b="0" dirty="0">
+                    <a:solidFill>
+                      <a:schemeClr val="tx1"/>
+                    </a:solidFill>
+                  </a:rPr>
+                  <a:t> and </a:t>
+                </a:r>
+                <a14:m>
+                  <m:oMath xmlns:m="http://schemas.openxmlformats.org/officeDocument/2006/math">
+                    <m:sSubSup>
+                      <m:sSubSupPr>
+                        <m:ctrlPr>
+                          <a:rPr lang="en-US" i="1">
+                            <a:solidFill>
+                              <a:schemeClr val="tx1"/>
+                            </a:solidFill>
+                            <a:latin typeface="Cambria Math" panose="02040503050406030204" pitchFamily="18" charset="0"/>
+                            <a:ea typeface="等线" panose="02010600030101010101" pitchFamily="2" charset="-122"/>
+                            <a:cs typeface="Times New Roman" panose="02020603050405020304" pitchFamily="18" charset="0"/>
+                          </a:rPr>
+                        </m:ctrlPr>
+                      </m:sSubSupPr>
+                      <m:e>
+                        <m:r>
+                          <a:rPr lang="en-US" i="1">
+                            <a:solidFill>
+                              <a:schemeClr val="tx1"/>
+                            </a:solidFill>
+                            <a:latin typeface="Cambria Math" panose="02040503050406030204" pitchFamily="18" charset="0"/>
+                            <a:ea typeface="等线" panose="02010600030101010101" pitchFamily="2" charset="-122"/>
+                            <a:cs typeface="Times New Roman" panose="02020603050405020304" pitchFamily="18" charset="0"/>
+                          </a:rPr>
+                          <m:t>𝒄</m:t>
+                        </m:r>
+                      </m:e>
+                      <m:sub>
+                        <m:r>
+                          <a:rPr lang="en-US" i="1">
+                            <a:solidFill>
+                              <a:schemeClr val="tx1"/>
+                            </a:solidFill>
+                            <a:latin typeface="Cambria Math" panose="02040503050406030204" pitchFamily="18" charset="0"/>
+                            <a:ea typeface="等线" panose="02010600030101010101" pitchFamily="2" charset="-122"/>
+                            <a:cs typeface="Times New Roman" panose="02020603050405020304" pitchFamily="18" charset="0"/>
+                          </a:rPr>
+                          <m:t>𝑖</m:t>
+                        </m:r>
+                      </m:sub>
+                      <m:sup>
+                        <m:d>
+                          <m:dPr>
+                            <m:ctrlPr>
+                              <a:rPr lang="en-US" i="1">
+                                <a:solidFill>
+                                  <a:schemeClr val="tx1"/>
+                                </a:solidFill>
+                                <a:latin typeface="Cambria Math" panose="02040503050406030204" pitchFamily="18" charset="0"/>
+                                <a:ea typeface="等线" panose="02010600030101010101" pitchFamily="2" charset="-122"/>
+                                <a:cs typeface="Times New Roman" panose="02020603050405020304" pitchFamily="18" charset="0"/>
+                              </a:rPr>
+                            </m:ctrlPr>
+                          </m:dPr>
+                          <m:e>
+                            <m:sSub>
+                              <m:sSubPr>
+                                <m:ctrlPr>
+                                  <a:rPr lang="en-US" i="1">
+                                    <a:solidFill>
+                                      <a:schemeClr val="tx1"/>
+                                    </a:solidFill>
+                                    <a:latin typeface="Cambria Math" panose="02040503050406030204" pitchFamily="18" charset="0"/>
+                                    <a:ea typeface="等线" panose="02010600030101010101" pitchFamily="2" charset="-122"/>
+                                    <a:cs typeface="Times New Roman" panose="02020603050405020304" pitchFamily="18" charset="0"/>
+                                  </a:rPr>
+                                </m:ctrlPr>
+                              </m:sSubPr>
+                              <m:e>
+                                <m:r>
+                                  <a:rPr lang="en-US" i="1">
+                                    <a:solidFill>
+                                      <a:schemeClr val="tx1"/>
+                                    </a:solidFill>
+                                    <a:latin typeface="Cambria Math" panose="02040503050406030204" pitchFamily="18" charset="0"/>
+                                    <a:ea typeface="等线" panose="02010600030101010101" pitchFamily="2" charset="-122"/>
+                                    <a:cs typeface="Times New Roman" panose="02020603050405020304" pitchFamily="18" charset="0"/>
+                                  </a:rPr>
+                                  <m:t>𝑧</m:t>
+                                </m:r>
+                              </m:e>
+                              <m:sub>
+                                <m:r>
+                                  <a:rPr lang="en-US" i="1">
+                                    <a:solidFill>
+                                      <a:schemeClr val="tx1"/>
+                                    </a:solidFill>
+                                    <a:latin typeface="Cambria Math" panose="02040503050406030204" pitchFamily="18" charset="0"/>
+                                    <a:ea typeface="等线" panose="02010600030101010101" pitchFamily="2" charset="-122"/>
+                                    <a:cs typeface="Times New Roman" panose="02020603050405020304" pitchFamily="18" charset="0"/>
+                                  </a:rPr>
+                                  <m:t>𝑖</m:t>
+                                </m:r>
+                              </m:sub>
+                            </m:sSub>
+                          </m:e>
+                        </m:d>
+                      </m:sup>
+                    </m:sSubSup>
+                  </m:oMath>
+                </a14:m>
+                <a:r>
+                  <a:rPr lang="en-US" b="0" dirty="0">
+                    <a:solidFill>
+                      <a:schemeClr val="tx1"/>
+                    </a:solidFill>
+                  </a:rPr>
+                  <a:t> be </a:t>
+                </a:r>
+                <a:r>
+                  <a:rPr lang="en-US" b="1" dirty="0">
+                    <a:solidFill>
+                      <a:schemeClr val="tx1"/>
+                    </a:solidFill>
+                  </a:rPr>
+                  <a:t>cluster</a:t>
+                </a:r>
+                <a:r>
+                  <a:rPr lang="en-US" b="0" dirty="0">
+                    <a:solidFill>
+                      <a:schemeClr val="tx1"/>
+                    </a:solidFill>
+                  </a:rPr>
+                  <a:t>-dependent</a:t>
+                </a:r>
+              </a:p>
+              <a:p>
+                <a:pPr lvl="1"/>
+                <a:r>
+                  <a:rPr lang="en-US" dirty="0"/>
+                  <a:t>No need to use auxiliary parameters</a:t>
+                </a:r>
+              </a:p>
+              <a:p>
+                <a:pPr lvl="1"/>
+                <a:r>
+                  <a:rPr lang="en-US" dirty="0"/>
+                  <a:t>Update clusters by marginal likelihood </a:t>
+                </a:r>
+                <a14:m>
+                  <m:oMath xmlns:m="http://schemas.openxmlformats.org/officeDocument/2006/math">
+                    <m:r>
+                      <a:rPr kumimoji="0" lang="en-US" b="0" i="1" u="none" strike="noStrike" kern="1200" cap="none" spc="0" normalizeH="0" baseline="0" noProof="0" smtClean="0">
+                        <a:ln>
+                          <a:noFill/>
+                        </a:ln>
+                        <a:solidFill>
+                          <a:prstClr val="black"/>
+                        </a:solidFill>
+                        <a:effectLst/>
+                        <a:uLnTx/>
+                        <a:uFillTx/>
+                        <a:latin typeface="Cambria Math" panose="02040503050406030204" pitchFamily="18" charset="0"/>
+                        <a:ea typeface="+mn-ea"/>
+                        <a:cs typeface="+mn-cs"/>
+                      </a:rPr>
+                      <m:t>𝑃</m:t>
+                    </m:r>
+                    <m:r>
+                      <a:rPr kumimoji="0" lang="en-US" b="0" i="1" u="none" strike="noStrike" kern="1200" cap="none" spc="0" normalizeH="0" baseline="0" noProof="0" smtClean="0">
+                        <a:ln>
+                          <a:noFill/>
+                        </a:ln>
+                        <a:solidFill>
+                          <a:prstClr val="black"/>
+                        </a:solidFill>
+                        <a:effectLst/>
+                        <a:uLnTx/>
+                        <a:uFillTx/>
+                        <a:latin typeface="Cambria Math" panose="02040503050406030204" pitchFamily="18" charset="0"/>
+                        <a:ea typeface="+mn-ea"/>
+                        <a:cs typeface="+mn-cs"/>
+                      </a:rPr>
+                      <m:t>(</m:t>
+                    </m:r>
+                    <m:sSub>
+                      <m:sSubPr>
+                        <m:ctrlPr>
+                          <a:rPr kumimoji="0" lang="en-US" b="0" i="1" u="none" strike="noStrike" kern="1200" cap="none" spc="0" normalizeH="0" baseline="0" noProof="0" smtClean="0">
+                            <a:ln>
+                              <a:noFill/>
+                            </a:ln>
+                            <a:solidFill>
+                              <a:prstClr val="black"/>
+                            </a:solidFill>
+                            <a:effectLst/>
+                            <a:uLnTx/>
+                            <a:uFillTx/>
+                            <a:latin typeface="Cambria Math" panose="02040503050406030204" pitchFamily="18" charset="0"/>
+                            <a:ea typeface="+mn-ea"/>
+                            <a:cs typeface="+mn-cs"/>
+                          </a:rPr>
+                        </m:ctrlPr>
+                      </m:sSubPr>
+                      <m:e>
+                        <m:r>
+                          <a:rPr kumimoji="0" lang="en-US" b="0" i="1" u="none" strike="noStrike" kern="1200" cap="none" spc="0" normalizeH="0" baseline="0" noProof="0" smtClean="0">
+                            <a:ln>
+                              <a:noFill/>
+                            </a:ln>
+                            <a:solidFill>
+                              <a:prstClr val="black"/>
+                            </a:solidFill>
+                            <a:effectLst/>
+                            <a:uLnTx/>
+                            <a:uFillTx/>
+                            <a:latin typeface="Cambria Math" panose="02040503050406030204" pitchFamily="18" charset="0"/>
+                            <a:ea typeface="+mn-ea"/>
+                            <a:cs typeface="+mn-cs"/>
+                          </a:rPr>
+                          <m:t>𝑌</m:t>
+                        </m:r>
+                      </m:e>
+                      <m:sub>
+                        <m:r>
+                          <a:rPr kumimoji="0" lang="en-US" b="0" i="1" u="none" strike="noStrike" kern="1200" cap="none" spc="0" normalizeH="0" baseline="0" noProof="0" smtClean="0">
+                            <a:ln>
+                              <a:noFill/>
+                            </a:ln>
+                            <a:solidFill>
+                              <a:prstClr val="black"/>
+                            </a:solidFill>
+                            <a:effectLst/>
+                            <a:uLnTx/>
+                            <a:uFillTx/>
+                            <a:latin typeface="Cambria Math" panose="02040503050406030204" pitchFamily="18" charset="0"/>
+                            <a:ea typeface="+mn-ea"/>
+                            <a:cs typeface="+mn-cs"/>
+                          </a:rPr>
+                          <m:t>𝑖</m:t>
+                        </m:r>
+                      </m:sub>
+                    </m:sSub>
+                    <m:r>
+                      <a:rPr kumimoji="0" lang="en-US" b="0" i="1" u="none" strike="noStrike" kern="1200" cap="none" spc="0" normalizeH="0" baseline="0" noProof="0" smtClean="0">
+                        <a:ln>
+                          <a:noFill/>
+                        </a:ln>
+                        <a:solidFill>
+                          <a:prstClr val="black"/>
+                        </a:solidFill>
+                        <a:effectLst/>
+                        <a:uLnTx/>
+                        <a:uFillTx/>
+                        <a:latin typeface="Cambria Math" panose="02040503050406030204" pitchFamily="18" charset="0"/>
+                        <a:ea typeface="+mn-ea"/>
+                        <a:cs typeface="+mn-cs"/>
+                      </a:rPr>
+                      <m:t>|</m:t>
+                    </m:r>
+                    <m:sSubSup>
+                      <m:sSubSupPr>
+                        <m:ctrlPr>
+                          <a:rPr kumimoji="0" lang="en-US" b="1" i="1" u="none" strike="noStrike" kern="1200" cap="none" spc="0" normalizeH="0" baseline="0" noProof="0">
+                            <a:ln>
+                              <a:noFill/>
+                            </a:ln>
+                            <a:solidFill>
+                              <a:prstClr val="black"/>
+                            </a:solidFill>
+                            <a:effectLst/>
+                            <a:uLnTx/>
+                            <a:uFillTx/>
+                            <a:latin typeface="Cambria Math" panose="02040503050406030204" pitchFamily="18" charset="0"/>
+                            <a:ea typeface="等线" panose="02010600030101010101" pitchFamily="2" charset="-122"/>
+                            <a:cs typeface="Times New Roman" panose="02020603050405020304" pitchFamily="18" charset="0"/>
+                          </a:rPr>
+                        </m:ctrlPr>
+                      </m:sSubSupPr>
+                      <m:e>
+                        <m:r>
+                          <a:rPr kumimoji="0" lang="en-US" b="1" i="1" u="none" strike="noStrike" kern="1200" cap="none" spc="0" normalizeH="0" baseline="0" noProof="0">
+                            <a:ln>
+                              <a:noFill/>
+                            </a:ln>
+                            <a:solidFill>
+                              <a:prstClr val="black"/>
+                            </a:solidFill>
+                            <a:effectLst/>
+                            <a:uLnTx/>
+                            <a:uFillTx/>
+                            <a:latin typeface="Cambria Math" panose="02040503050406030204" pitchFamily="18" charset="0"/>
+                            <a:ea typeface="等线" panose="02010600030101010101" pitchFamily="2" charset="-122"/>
+                            <a:cs typeface="Times New Roman" panose="02020603050405020304" pitchFamily="18" charset="0"/>
+                          </a:rPr>
+                          <m:t>𝝁</m:t>
+                        </m:r>
+                      </m:e>
+                      <m:sub>
+                        <m:r>
+                          <a:rPr kumimoji="0" lang="en-US" b="1" i="1" u="none" strike="noStrike" kern="1200" cap="none" spc="0" normalizeH="0" baseline="0" noProof="0">
+                            <a:ln>
+                              <a:noFill/>
+                            </a:ln>
+                            <a:solidFill>
+                              <a:prstClr val="black"/>
+                            </a:solidFill>
+                            <a:effectLst/>
+                            <a:uLnTx/>
+                            <a:uFillTx/>
+                            <a:latin typeface="Cambria Math" panose="02040503050406030204" pitchFamily="18" charset="0"/>
+                            <a:ea typeface="等线" panose="02010600030101010101" pitchFamily="2" charset="-122"/>
+                            <a:cs typeface="Times New Roman" panose="02020603050405020304" pitchFamily="18" charset="0"/>
+                          </a:rPr>
+                          <m:t>𝑑𝑐</m:t>
+                        </m:r>
+                      </m:sub>
+                      <m:sup>
+                        <m:d>
+                          <m:dPr>
+                            <m:ctrlPr>
+                              <a:rPr kumimoji="0" lang="en-US" b="1" i="1" u="none" strike="noStrike" kern="1200" cap="none" spc="0" normalizeH="0" baseline="0" noProof="0">
+                                <a:ln>
+                                  <a:noFill/>
+                                </a:ln>
+                                <a:solidFill>
+                                  <a:prstClr val="black"/>
+                                </a:solidFill>
+                                <a:effectLst/>
+                                <a:uLnTx/>
+                                <a:uFillTx/>
+                                <a:latin typeface="Cambria Math" panose="02040503050406030204" pitchFamily="18" charset="0"/>
+                                <a:ea typeface="等线" panose="02010600030101010101" pitchFamily="2" charset="-122"/>
+                                <a:cs typeface="Times New Roman" panose="02020603050405020304" pitchFamily="18" charset="0"/>
+                              </a:rPr>
+                            </m:ctrlPr>
+                          </m:dPr>
+                          <m:e>
+                            <m:sSub>
+                              <m:sSubPr>
+                                <m:ctrlPr>
+                                  <a:rPr kumimoji="0" lang="en-US" b="1" i="1" u="none" strike="noStrike" kern="1200" cap="none" spc="0" normalizeH="0" baseline="0" noProof="0">
+                                    <a:ln>
+                                      <a:noFill/>
+                                    </a:ln>
+                                    <a:solidFill>
+                                      <a:prstClr val="black"/>
+                                    </a:solidFill>
+                                    <a:effectLst/>
+                                    <a:uLnTx/>
+                                    <a:uFillTx/>
+                                    <a:latin typeface="Cambria Math" panose="02040503050406030204" pitchFamily="18" charset="0"/>
+                                    <a:ea typeface="等线" panose="02010600030101010101" pitchFamily="2" charset="-122"/>
+                                    <a:cs typeface="Times New Roman" panose="02020603050405020304" pitchFamily="18" charset="0"/>
+                                  </a:rPr>
+                                </m:ctrlPr>
+                              </m:sSubPr>
+                              <m:e>
+                                <m:r>
+                                  <a:rPr kumimoji="0" lang="en-US" b="1" i="1" u="none" strike="noStrike" kern="1200" cap="none" spc="0" normalizeH="0" baseline="0" noProof="0">
+                                    <a:ln>
+                                      <a:noFill/>
+                                    </a:ln>
+                                    <a:solidFill>
+                                      <a:prstClr val="black"/>
+                                    </a:solidFill>
+                                    <a:effectLst/>
+                                    <a:uLnTx/>
+                                    <a:uFillTx/>
+                                    <a:latin typeface="Cambria Math" panose="02040503050406030204" pitchFamily="18" charset="0"/>
+                                    <a:ea typeface="等线" panose="02010600030101010101" pitchFamily="2" charset="-122"/>
+                                    <a:cs typeface="Times New Roman" panose="02020603050405020304" pitchFamily="18" charset="0"/>
+                                  </a:rPr>
+                                  <m:t>𝑧</m:t>
+                                </m:r>
+                              </m:e>
+                              <m:sub>
+                                <m:r>
+                                  <a:rPr kumimoji="0" lang="en-US" b="1" i="1" u="none" strike="noStrike" kern="1200" cap="none" spc="0" normalizeH="0" baseline="0" noProof="0">
+                                    <a:ln>
+                                      <a:noFill/>
+                                    </a:ln>
+                                    <a:solidFill>
+                                      <a:prstClr val="black"/>
+                                    </a:solidFill>
+                                    <a:effectLst/>
+                                    <a:uLnTx/>
+                                    <a:uFillTx/>
+                                    <a:latin typeface="Cambria Math" panose="02040503050406030204" pitchFamily="18" charset="0"/>
+                                    <a:ea typeface="等线" panose="02010600030101010101" pitchFamily="2" charset="-122"/>
+                                    <a:cs typeface="Times New Roman" panose="02020603050405020304" pitchFamily="18" charset="0"/>
+                                  </a:rPr>
+                                  <m:t>𝑖</m:t>
+                                </m:r>
+                              </m:sub>
+                            </m:sSub>
+                          </m:e>
+                        </m:d>
+                      </m:sup>
+                    </m:sSubSup>
+                    <m:r>
+                      <a:rPr kumimoji="0" lang="en-US" b="1" i="1" u="none" strike="noStrike" kern="1200" cap="none" spc="0" normalizeH="0" baseline="0" noProof="0">
+                        <a:ln>
+                          <a:noFill/>
+                        </a:ln>
+                        <a:solidFill>
+                          <a:prstClr val="black"/>
+                        </a:solidFill>
+                        <a:effectLst/>
+                        <a:uLnTx/>
+                        <a:uFillTx/>
+                        <a:latin typeface="Cambria Math" panose="02040503050406030204" pitchFamily="18" charset="0"/>
+                        <a:ea typeface="等线" panose="02010600030101010101" pitchFamily="2" charset="-122"/>
+                        <a:cs typeface="Times New Roman" panose="02020603050405020304" pitchFamily="18" charset="0"/>
+                      </a:rPr>
+                      <m:t>, </m:t>
+                    </m:r>
+                    <m:sSubSup>
+                      <m:sSubSupPr>
+                        <m:ctrlPr>
+                          <a:rPr kumimoji="0" lang="en-US" b="1" i="1" u="none" strike="noStrike" kern="1200" cap="none" spc="0" normalizeH="0" baseline="0" noProof="0">
+                            <a:ln>
+                              <a:noFill/>
+                            </a:ln>
+                            <a:solidFill>
+                              <a:prstClr val="black"/>
+                            </a:solidFill>
+                            <a:effectLst/>
+                            <a:uLnTx/>
+                            <a:uFillTx/>
+                            <a:latin typeface="Cambria Math" panose="02040503050406030204" pitchFamily="18" charset="0"/>
+                            <a:ea typeface="等线" panose="02010600030101010101" pitchFamily="2" charset="-122"/>
+                            <a:cs typeface="Times New Roman" panose="02020603050405020304" pitchFamily="18" charset="0"/>
+                          </a:rPr>
+                        </m:ctrlPr>
+                      </m:sSubSupPr>
+                      <m:e>
+                        <m:r>
+                          <a:rPr kumimoji="0" lang="en-US" b="1" i="1" u="none" strike="noStrike" kern="1200" cap="none" spc="0" normalizeH="0" baseline="0" noProof="0">
+                            <a:ln>
+                              <a:noFill/>
+                            </a:ln>
+                            <a:solidFill>
+                              <a:prstClr val="black"/>
+                            </a:solidFill>
+                            <a:effectLst/>
+                            <a:uLnTx/>
+                            <a:uFillTx/>
+                            <a:latin typeface="Cambria Math" panose="02040503050406030204" pitchFamily="18" charset="0"/>
+                            <a:ea typeface="等线" panose="02010600030101010101" pitchFamily="2" charset="-122"/>
+                            <a:cs typeface="Times New Roman" panose="02020603050405020304" pitchFamily="18" charset="0"/>
+                          </a:rPr>
+                          <m:t>𝚺</m:t>
+                        </m:r>
+                      </m:e>
+                      <m:sub>
+                        <m:r>
+                          <a:rPr kumimoji="0" lang="en-US" b="1" i="1" u="none" strike="noStrike" kern="1200" cap="none" spc="0" normalizeH="0" baseline="0" noProof="0">
+                            <a:ln>
+                              <a:noFill/>
+                            </a:ln>
+                            <a:solidFill>
+                              <a:prstClr val="black"/>
+                            </a:solidFill>
+                            <a:effectLst/>
+                            <a:uLnTx/>
+                            <a:uFillTx/>
+                            <a:latin typeface="Cambria Math" panose="02040503050406030204" pitchFamily="18" charset="0"/>
+                            <a:ea typeface="等线" panose="02010600030101010101" pitchFamily="2" charset="-122"/>
+                            <a:cs typeface="Times New Roman" panose="02020603050405020304" pitchFamily="18" charset="0"/>
+                          </a:rPr>
+                          <m:t>𝑑𝑐</m:t>
+                        </m:r>
+                      </m:sub>
+                      <m:sup>
+                        <m:d>
+                          <m:dPr>
+                            <m:ctrlPr>
+                              <a:rPr kumimoji="0" lang="en-US" b="1" i="1" u="none" strike="noStrike" kern="1200" cap="none" spc="0" normalizeH="0" baseline="0" noProof="0">
+                                <a:ln>
+                                  <a:noFill/>
+                                </a:ln>
+                                <a:solidFill>
+                                  <a:prstClr val="black"/>
+                                </a:solidFill>
+                                <a:effectLst/>
+                                <a:uLnTx/>
+                                <a:uFillTx/>
+                                <a:latin typeface="Cambria Math" panose="02040503050406030204" pitchFamily="18" charset="0"/>
+                                <a:ea typeface="等线" panose="02010600030101010101" pitchFamily="2" charset="-122"/>
+                                <a:cs typeface="Times New Roman" panose="02020603050405020304" pitchFamily="18" charset="0"/>
+                              </a:rPr>
+                            </m:ctrlPr>
+                          </m:dPr>
+                          <m:e>
+                            <m:sSub>
+                              <m:sSubPr>
+                                <m:ctrlPr>
+                                  <a:rPr kumimoji="0" lang="en-US" b="1" i="1" u="none" strike="noStrike" kern="1200" cap="none" spc="0" normalizeH="0" baseline="0" noProof="0">
+                                    <a:ln>
+                                      <a:noFill/>
+                                    </a:ln>
+                                    <a:solidFill>
+                                      <a:prstClr val="black"/>
+                                    </a:solidFill>
+                                    <a:effectLst/>
+                                    <a:uLnTx/>
+                                    <a:uFillTx/>
+                                    <a:latin typeface="Cambria Math" panose="02040503050406030204" pitchFamily="18" charset="0"/>
+                                    <a:ea typeface="等线" panose="02010600030101010101" pitchFamily="2" charset="-122"/>
+                                    <a:cs typeface="Times New Roman" panose="02020603050405020304" pitchFamily="18" charset="0"/>
+                                  </a:rPr>
+                                </m:ctrlPr>
+                              </m:sSubPr>
+                              <m:e>
+                                <m:r>
+                                  <a:rPr kumimoji="0" lang="en-US" b="1" i="1" u="none" strike="noStrike" kern="1200" cap="none" spc="0" normalizeH="0" baseline="0" noProof="0">
+                                    <a:ln>
+                                      <a:noFill/>
+                                    </a:ln>
+                                    <a:solidFill>
+                                      <a:prstClr val="black"/>
+                                    </a:solidFill>
+                                    <a:effectLst/>
+                                    <a:uLnTx/>
+                                    <a:uFillTx/>
+                                    <a:latin typeface="Cambria Math" panose="02040503050406030204" pitchFamily="18" charset="0"/>
+                                    <a:ea typeface="等线" panose="02010600030101010101" pitchFamily="2" charset="-122"/>
+                                    <a:cs typeface="Times New Roman" panose="02020603050405020304" pitchFamily="18" charset="0"/>
+                                  </a:rPr>
+                                  <m:t>𝑧</m:t>
+                                </m:r>
+                              </m:e>
+                              <m:sub>
+                                <m:r>
+                                  <a:rPr kumimoji="0" lang="en-US" b="1" i="1" u="none" strike="noStrike" kern="1200" cap="none" spc="0" normalizeH="0" baseline="0" noProof="0">
+                                    <a:ln>
+                                      <a:noFill/>
+                                    </a:ln>
+                                    <a:solidFill>
+                                      <a:prstClr val="black"/>
+                                    </a:solidFill>
+                                    <a:effectLst/>
+                                    <a:uLnTx/>
+                                    <a:uFillTx/>
+                                    <a:latin typeface="Cambria Math" panose="02040503050406030204" pitchFamily="18" charset="0"/>
+                                    <a:ea typeface="等线" panose="02010600030101010101" pitchFamily="2" charset="-122"/>
+                                    <a:cs typeface="Times New Roman" panose="02020603050405020304" pitchFamily="18" charset="0"/>
+                                  </a:rPr>
+                                  <m:t>𝑖</m:t>
+                                </m:r>
+                              </m:sub>
+                            </m:sSub>
+                          </m:e>
+                        </m:d>
+                      </m:sup>
+                    </m:sSubSup>
+                    <m:r>
+                      <a:rPr kumimoji="0" lang="en-US" b="0" i="1" u="none" strike="noStrike" kern="1200" cap="none" spc="0" normalizeH="0" baseline="0" noProof="0" smtClean="0">
+                        <a:ln>
+                          <a:noFill/>
+                        </a:ln>
+                        <a:solidFill>
+                          <a:prstClr val="black"/>
+                        </a:solidFill>
+                        <a:effectLst/>
+                        <a:uLnTx/>
+                        <a:uFillTx/>
+                        <a:latin typeface="Cambria Math" panose="02040503050406030204" pitchFamily="18" charset="0"/>
+                        <a:ea typeface="等线" panose="02010600030101010101" pitchFamily="2" charset="-122"/>
+                        <a:cs typeface="Times New Roman" panose="02020603050405020304" pitchFamily="18" charset="0"/>
+                      </a:rPr>
+                      <m:t>,</m:t>
+                    </m:r>
+                    <m:sSup>
+                      <m:sSupPr>
+                        <m:ctrlPr>
+                          <a:rPr kumimoji="0" lang="en-US" b="0" i="1" u="none" strike="noStrike" kern="1200" cap="none" spc="0" normalizeH="0" baseline="0" noProof="0" dirty="0">
+                            <a:ln>
+                              <a:noFill/>
+                            </a:ln>
+                            <a:solidFill>
+                              <a:prstClr val="black"/>
+                            </a:solidFill>
+                            <a:effectLst/>
+                            <a:uLnTx/>
+                            <a:uFillTx/>
+                            <a:latin typeface="Cambria Math" panose="02040503050406030204" pitchFamily="18" charset="0"/>
+                            <a:ea typeface="+mn-ea"/>
+                            <a:cs typeface="+mn-cs"/>
+                          </a:rPr>
+                        </m:ctrlPr>
+                      </m:sSupPr>
+                      <m:e>
+                        <m:r>
+                          <a:rPr kumimoji="0" lang="en-US" b="0" i="1" u="none" strike="noStrike" kern="1200" cap="none" spc="0" normalizeH="0" baseline="0" noProof="0" dirty="0">
+                            <a:ln>
+                              <a:noFill/>
+                            </a:ln>
+                            <a:solidFill>
+                              <a:prstClr val="black"/>
+                            </a:solidFill>
+                            <a:effectLst/>
+                            <a:uLnTx/>
+                            <a:uFillTx/>
+                            <a:latin typeface="Cambria Math" panose="02040503050406030204" pitchFamily="18" charset="0"/>
+                            <a:ea typeface="+mn-ea"/>
+                            <a:cs typeface="+mn-cs"/>
+                          </a:rPr>
+                          <m:t>𝑿</m:t>
+                        </m:r>
+                      </m:e>
+                      <m:sup>
+                        <m:d>
+                          <m:dPr>
+                            <m:ctrlPr>
+                              <a:rPr kumimoji="0" lang="en-US" b="0" i="1" u="none" strike="noStrike" kern="1200" cap="none" spc="0" normalizeH="0" baseline="0" noProof="0" dirty="0">
+                                <a:ln>
+                                  <a:noFill/>
+                                </a:ln>
+                                <a:solidFill>
+                                  <a:prstClr val="black"/>
+                                </a:solidFill>
+                                <a:effectLst/>
+                                <a:uLnTx/>
+                                <a:uFillTx/>
+                                <a:latin typeface="Cambria Math" panose="02040503050406030204" pitchFamily="18" charset="0"/>
+                                <a:ea typeface="+mn-ea"/>
+                                <a:cs typeface="+mn-cs"/>
+                              </a:rPr>
+                            </m:ctrlPr>
+                          </m:dPr>
+                          <m:e>
+                            <m:r>
+                              <a:rPr kumimoji="0" lang="en-US" b="0" i="1" u="none" strike="noStrike" kern="1200" cap="none" spc="0" normalizeH="0" baseline="0" noProof="0" dirty="0">
+                                <a:ln>
+                                  <a:noFill/>
+                                </a:ln>
+                                <a:solidFill>
+                                  <a:prstClr val="black"/>
+                                </a:solidFill>
+                                <a:effectLst/>
+                                <a:uLnTx/>
+                                <a:uFillTx/>
+                                <a:latin typeface="Cambria Math" panose="02040503050406030204" pitchFamily="18" charset="0"/>
+                                <a:ea typeface="+mn-ea"/>
+                                <a:cs typeface="+mn-cs"/>
+                              </a:rPr>
+                              <m:t>𝑘</m:t>
+                            </m:r>
+                          </m:e>
+                        </m:d>
+                      </m:sup>
+                    </m:sSup>
+                    <m:r>
+                      <a:rPr kumimoji="0" lang="en-US" b="0" i="1" u="none" strike="noStrike" kern="1200" cap="none" spc="0" normalizeH="0" baseline="0" noProof="0" smtClean="0">
+                        <a:ln>
+                          <a:noFill/>
+                        </a:ln>
+                        <a:solidFill>
+                          <a:prstClr val="black"/>
+                        </a:solidFill>
+                        <a:effectLst/>
+                        <a:uLnTx/>
+                        <a:uFillTx/>
+                        <a:latin typeface="Cambria Math" panose="02040503050406030204" pitchFamily="18" charset="0"/>
+                        <a:ea typeface="+mn-ea"/>
+                        <a:cs typeface="+mn-cs"/>
+                      </a:rPr>
+                      <m:t>)</m:t>
+                    </m:r>
+                  </m:oMath>
+                </a14:m>
+                <a:endParaRPr kumimoji="0" lang="en-US" b="0" i="0" u="none" strike="noStrike" kern="1200" cap="none" spc="0" normalizeH="0" baseline="0" noProof="0" dirty="0">
+                  <a:ln>
+                    <a:noFill/>
+                  </a:ln>
+                  <a:solidFill>
+                    <a:prstClr val="black"/>
+                  </a:solidFill>
+                  <a:effectLst/>
+                  <a:uLnTx/>
+                  <a:uFillTx/>
+                  <a:latin typeface="Calibri" panose="020F0502020204030204"/>
+                  <a:ea typeface="+mn-ea"/>
+                  <a:cs typeface="+mn-cs"/>
+                </a:endParaRPr>
+              </a:p>
+              <a:p>
+                <a:pPr lvl="1"/>
+                <a:r>
+                  <a:rPr kumimoji="0" lang="en-US" b="0" i="0" u="none" strike="noStrike" kern="1200" cap="none" spc="0" normalizeH="0" baseline="0" noProof="0" dirty="0">
+                    <a:ln>
+                      <a:noFill/>
+                    </a:ln>
+                    <a:solidFill>
+                      <a:prstClr val="black"/>
+                    </a:solidFill>
+                    <a:effectLst/>
+                    <a:uLnTx/>
+                    <a:uFillTx/>
+                    <a:latin typeface="Calibri" panose="020F0502020204030204"/>
+                    <a:ea typeface="+mn-ea"/>
+                    <a:cs typeface="+mn-cs"/>
+                  </a:rPr>
+                  <a:t> </a:t>
+                </a:r>
+                <a:r>
+                  <a:rPr lang="en-US" dirty="0"/>
+                  <a:t>Use the Laplace approximation </a:t>
+                </a:r>
+                <a14:m>
+                  <m:oMath xmlns:m="http://schemas.openxmlformats.org/officeDocument/2006/math">
+                    <m:nary>
+                      <m:naryPr>
+                        <m:limLoc m:val="undOvr"/>
+                        <m:subHide m:val="on"/>
+                        <m:supHide m:val="on"/>
+                        <m:ctrlPr>
+                          <a:rPr lang="en-US" b="0" i="1" smtClean="0">
+                            <a:solidFill>
+                              <a:prstClr val="black"/>
+                            </a:solidFill>
+                            <a:latin typeface="Cambria Math" panose="02040503050406030204" pitchFamily="18" charset="0"/>
+                          </a:rPr>
+                        </m:ctrlPr>
+                      </m:naryPr>
+                      <m:sub/>
+                      <m:sup/>
+                      <m:e>
+                        <m:r>
+                          <a:rPr lang="en-US" i="1">
+                            <a:solidFill>
+                              <a:prstClr val="black"/>
+                            </a:solidFill>
+                            <a:latin typeface="Cambria Math" panose="02040503050406030204" pitchFamily="18" charset="0"/>
+                          </a:rPr>
+                          <m:t>𝑃</m:t>
+                        </m:r>
+                        <m:d>
+                          <m:dPr>
+                            <m:ctrlPr>
+                              <a:rPr lang="en-US" i="1">
+                                <a:solidFill>
+                                  <a:prstClr val="black"/>
+                                </a:solidFill>
+                                <a:latin typeface="Cambria Math" panose="02040503050406030204" pitchFamily="18" charset="0"/>
+                              </a:rPr>
+                            </m:ctrlPr>
+                          </m:dPr>
+                          <m:e>
+                            <m:sSub>
+                              <m:sSubPr>
+                                <m:ctrlPr>
+                                  <a:rPr lang="en-US" i="1">
+                                    <a:solidFill>
+                                      <a:prstClr val="black"/>
+                                    </a:solidFill>
+                                    <a:latin typeface="Cambria Math" panose="02040503050406030204" pitchFamily="18" charset="0"/>
+                                  </a:rPr>
+                                </m:ctrlPr>
+                              </m:sSubPr>
+                              <m:e>
+                                <m:r>
+                                  <a:rPr lang="en-US" i="1">
+                                    <a:solidFill>
+                                      <a:prstClr val="black"/>
+                                    </a:solidFill>
+                                    <a:latin typeface="Cambria Math" panose="02040503050406030204" pitchFamily="18" charset="0"/>
+                                  </a:rPr>
+                                  <m:t>𝑌</m:t>
+                                </m:r>
+                              </m:e>
+                              <m:sub>
+                                <m:r>
+                                  <a:rPr lang="en-US" i="1">
+                                    <a:solidFill>
+                                      <a:prstClr val="black"/>
+                                    </a:solidFill>
+                                    <a:latin typeface="Cambria Math" panose="02040503050406030204" pitchFamily="18" charset="0"/>
+                                  </a:rPr>
+                                  <m:t>𝑖</m:t>
+                                </m:r>
+                              </m:sub>
+                            </m:sSub>
+                          </m:e>
+                          <m:e>
+                            <m:sSup>
+                              <m:sSupPr>
+                                <m:ctrlPr>
+                                  <a:rPr lang="en-US" b="1" i="1">
+                                    <a:solidFill>
+                                      <a:prstClr val="black"/>
+                                    </a:solidFill>
+                                    <a:latin typeface="Cambria Math" panose="02040503050406030204" pitchFamily="18" charset="0"/>
+                                    <a:ea typeface="等线" panose="02010600030101010101" pitchFamily="2" charset="-122"/>
+                                    <a:cs typeface="Times New Roman" panose="02020603050405020304" pitchFamily="18" charset="0"/>
+                                  </a:rPr>
+                                </m:ctrlPr>
+                              </m:sSupPr>
+                              <m:e>
+                                <m:d>
+                                  <m:dPr>
+                                    <m:ctrlPr>
+                                      <a:rPr lang="en-US" b="1" i="1">
+                                        <a:solidFill>
+                                          <a:prstClr val="black"/>
+                                        </a:solidFill>
+                                        <a:latin typeface="Cambria Math" panose="02040503050406030204" pitchFamily="18" charset="0"/>
+                                        <a:ea typeface="等线" panose="02010600030101010101" pitchFamily="2" charset="-122"/>
+                                        <a:cs typeface="Times New Roman" panose="02020603050405020304" pitchFamily="18" charset="0"/>
+                                      </a:rPr>
+                                    </m:ctrlPr>
+                                  </m:dPr>
+                                  <m:e>
+                                    <m:sSub>
+                                      <m:sSubPr>
+                                        <m:ctrlPr>
+                                          <a:rPr lang="en-US" b="1" i="1">
+                                            <a:solidFill>
+                                              <a:prstClr val="black"/>
+                                            </a:solidFill>
+                                            <a:latin typeface="Cambria Math" panose="02040503050406030204" pitchFamily="18" charset="0"/>
+                                            <a:ea typeface="等线" panose="02010600030101010101" pitchFamily="2" charset="-122"/>
+                                            <a:cs typeface="Times New Roman" panose="02020603050405020304" pitchFamily="18" charset="0"/>
+                                          </a:rPr>
+                                        </m:ctrlPr>
+                                      </m:sSubPr>
+                                      <m:e>
+                                        <m:r>
+                                          <a:rPr lang="en-US" b="1" i="1">
+                                            <a:solidFill>
+                                              <a:prstClr val="black"/>
+                                            </a:solidFill>
+                                            <a:latin typeface="Cambria Math" panose="02040503050406030204" pitchFamily="18" charset="0"/>
+                                            <a:ea typeface="等线" panose="02010600030101010101" pitchFamily="2" charset="-122"/>
+                                            <a:cs typeface="Times New Roman" panose="02020603050405020304" pitchFamily="18" charset="0"/>
+                                          </a:rPr>
+                                          <m:t>𝑑</m:t>
+                                        </m:r>
+                                      </m:e>
+                                      <m:sub>
+                                        <m:r>
+                                          <a:rPr lang="en-US" b="1" i="1">
+                                            <a:solidFill>
+                                              <a:prstClr val="black"/>
+                                            </a:solidFill>
+                                            <a:latin typeface="Cambria Math" panose="02040503050406030204" pitchFamily="18" charset="0"/>
+                                            <a:ea typeface="等线" panose="02010600030101010101" pitchFamily="2" charset="-122"/>
+                                            <a:cs typeface="Times New Roman" panose="02020603050405020304" pitchFamily="18" charset="0"/>
+                                          </a:rPr>
+                                          <m:t>𝑖</m:t>
+                                        </m:r>
+                                      </m:sub>
+                                    </m:sSub>
+                                    <m:r>
+                                      <a:rPr lang="en-US" b="1" i="1">
+                                        <a:solidFill>
+                                          <a:prstClr val="black"/>
+                                        </a:solidFill>
+                                        <a:latin typeface="Cambria Math" panose="02040503050406030204" pitchFamily="18" charset="0"/>
+                                        <a:ea typeface="等线" panose="02010600030101010101" pitchFamily="2" charset="-122"/>
+                                        <a:cs typeface="Times New Roman" panose="02020603050405020304" pitchFamily="18" charset="0"/>
+                                      </a:rPr>
+                                      <m:t>,</m:t>
+                                    </m:r>
+                                    <m:sSubSup>
+                                      <m:sSubSupPr>
+                                        <m:ctrlPr>
+                                          <a:rPr lang="en-US" b="1" i="1">
+                                            <a:solidFill>
+                                              <a:prstClr val="black"/>
+                                            </a:solidFill>
+                                            <a:latin typeface="Cambria Math" panose="02040503050406030204" pitchFamily="18" charset="0"/>
+                                            <a:ea typeface="等线" panose="02010600030101010101" pitchFamily="2" charset="-122"/>
+                                            <a:cs typeface="Times New Roman" panose="02020603050405020304" pitchFamily="18" charset="0"/>
+                                          </a:rPr>
+                                        </m:ctrlPr>
+                                      </m:sSubSupPr>
+                                      <m:e>
+                                        <m:r>
+                                          <a:rPr lang="en-US" b="1" i="1">
+                                            <a:solidFill>
+                                              <a:prstClr val="black"/>
+                                            </a:solidFill>
+                                            <a:latin typeface="Cambria Math" panose="02040503050406030204" pitchFamily="18" charset="0"/>
+                                            <a:ea typeface="等线" panose="02010600030101010101" pitchFamily="2" charset="-122"/>
+                                            <a:cs typeface="Times New Roman" panose="02020603050405020304" pitchFamily="18" charset="0"/>
+                                          </a:rPr>
+                                          <m:t>𝒄</m:t>
+                                        </m:r>
+                                      </m:e>
+                                      <m:sub>
+                                        <m:r>
+                                          <a:rPr lang="en-US" b="1" i="1">
+                                            <a:solidFill>
+                                              <a:prstClr val="black"/>
+                                            </a:solidFill>
+                                            <a:latin typeface="Cambria Math" panose="02040503050406030204" pitchFamily="18" charset="0"/>
+                                            <a:ea typeface="等线" panose="02010600030101010101" pitchFamily="2" charset="-122"/>
+                                            <a:cs typeface="Times New Roman" panose="02020603050405020304" pitchFamily="18" charset="0"/>
+                                          </a:rPr>
+                                          <m:t>𝑖</m:t>
+                                        </m:r>
+                                      </m:sub>
+                                      <m:sup>
+                                        <m:r>
+                                          <a:rPr lang="en-US" b="1" i="1">
+                                            <a:solidFill>
+                                              <a:prstClr val="black"/>
+                                            </a:solidFill>
+                                            <a:latin typeface="Cambria Math" panose="02040503050406030204" pitchFamily="18" charset="0"/>
+                                            <a:ea typeface="等线" panose="02010600030101010101" pitchFamily="2" charset="-122"/>
+                                            <a:cs typeface="Times New Roman" panose="02020603050405020304" pitchFamily="18" charset="0"/>
+                                          </a:rPr>
+                                          <m:t>′</m:t>
+                                        </m:r>
+                                      </m:sup>
+                                    </m:sSubSup>
+                                  </m:e>
+                                </m:d>
+                              </m:e>
+                              <m:sup>
+                                <m:r>
+                                  <a:rPr lang="en-US" b="1" i="1">
+                                    <a:solidFill>
+                                      <a:prstClr val="black"/>
+                                    </a:solidFill>
+                                    <a:latin typeface="Cambria Math" panose="02040503050406030204" pitchFamily="18" charset="0"/>
+                                    <a:ea typeface="等线" panose="02010600030101010101" pitchFamily="2" charset="-122"/>
+                                    <a:cs typeface="Times New Roman" panose="02020603050405020304" pitchFamily="18" charset="0"/>
+                                  </a:rPr>
+                                  <m:t>′</m:t>
+                                </m:r>
+                              </m:sup>
+                            </m:sSup>
+                            <m:r>
+                              <a:rPr lang="en-US" i="1">
+                                <a:solidFill>
+                                  <a:prstClr val="black"/>
+                                </a:solidFill>
+                                <a:latin typeface="Cambria Math" panose="02040503050406030204" pitchFamily="18" charset="0"/>
+                                <a:ea typeface="等线" panose="02010600030101010101" pitchFamily="2" charset="-122"/>
+                                <a:cs typeface="Times New Roman" panose="02020603050405020304" pitchFamily="18" charset="0"/>
+                              </a:rPr>
+                              <m:t>,</m:t>
+                            </m:r>
+                            <m:sSup>
+                              <m:sSupPr>
+                                <m:ctrlPr>
+                                  <a:rPr lang="en-US" i="1" dirty="0">
+                                    <a:solidFill>
+                                      <a:prstClr val="black"/>
+                                    </a:solidFill>
+                                    <a:latin typeface="Cambria Math" panose="02040503050406030204" pitchFamily="18" charset="0"/>
+                                  </a:rPr>
+                                </m:ctrlPr>
+                              </m:sSupPr>
+                              <m:e>
+                                <m:r>
+                                  <a:rPr lang="en-US" i="1" dirty="0">
+                                    <a:solidFill>
+                                      <a:prstClr val="black"/>
+                                    </a:solidFill>
+                                    <a:latin typeface="Cambria Math" panose="02040503050406030204" pitchFamily="18" charset="0"/>
+                                  </a:rPr>
+                                  <m:t>𝑿</m:t>
+                                </m:r>
+                              </m:e>
+                              <m:sup>
+                                <m:d>
+                                  <m:dPr>
+                                    <m:ctrlPr>
+                                      <a:rPr lang="en-US" i="1" dirty="0">
+                                        <a:solidFill>
+                                          <a:prstClr val="black"/>
+                                        </a:solidFill>
+                                        <a:latin typeface="Cambria Math" panose="02040503050406030204" pitchFamily="18" charset="0"/>
+                                      </a:rPr>
+                                    </m:ctrlPr>
+                                  </m:dPr>
+                                  <m:e>
+                                    <m:r>
+                                      <a:rPr lang="en-US" i="1" dirty="0">
+                                        <a:solidFill>
+                                          <a:prstClr val="black"/>
+                                        </a:solidFill>
+                                        <a:latin typeface="Cambria Math" panose="02040503050406030204" pitchFamily="18" charset="0"/>
+                                      </a:rPr>
+                                      <m:t>𝑘</m:t>
+                                    </m:r>
+                                  </m:e>
+                                </m:d>
+                              </m:sup>
+                            </m:sSup>
+                          </m:e>
+                        </m:d>
+                        <m:r>
+                          <a:rPr lang="en-US" i="1">
+                            <a:solidFill>
+                              <a:prstClr val="black"/>
+                            </a:solidFill>
+                            <a:latin typeface="Cambria Math" panose="02040503050406030204" pitchFamily="18" charset="0"/>
+                          </a:rPr>
+                          <m:t>𝑃</m:t>
+                        </m:r>
+                        <m:d>
+                          <m:dPr>
+                            <m:ctrlPr>
+                              <a:rPr lang="en-US" i="1">
+                                <a:solidFill>
+                                  <a:prstClr val="black"/>
+                                </a:solidFill>
+                                <a:latin typeface="Cambria Math" panose="02040503050406030204" pitchFamily="18" charset="0"/>
+                              </a:rPr>
+                            </m:ctrlPr>
+                          </m:dPr>
+                          <m:e>
+                            <m:sSup>
+                              <m:sSupPr>
+                                <m:ctrlPr>
+                                  <a:rPr lang="en-US" b="1" i="1">
+                                    <a:solidFill>
+                                      <a:prstClr val="black"/>
+                                    </a:solidFill>
+                                    <a:latin typeface="Cambria Math" panose="02040503050406030204" pitchFamily="18" charset="0"/>
+                                    <a:ea typeface="等线" panose="02010600030101010101" pitchFamily="2" charset="-122"/>
+                                    <a:cs typeface="Times New Roman" panose="02020603050405020304" pitchFamily="18" charset="0"/>
+                                  </a:rPr>
+                                </m:ctrlPr>
+                              </m:sSupPr>
+                              <m:e>
+                                <m:d>
+                                  <m:dPr>
+                                    <m:ctrlPr>
+                                      <a:rPr lang="en-US" b="1" i="1">
+                                        <a:solidFill>
+                                          <a:prstClr val="black"/>
+                                        </a:solidFill>
+                                        <a:latin typeface="Cambria Math" panose="02040503050406030204" pitchFamily="18" charset="0"/>
+                                        <a:ea typeface="等线" panose="02010600030101010101" pitchFamily="2" charset="-122"/>
+                                        <a:cs typeface="Times New Roman" panose="02020603050405020304" pitchFamily="18" charset="0"/>
+                                      </a:rPr>
+                                    </m:ctrlPr>
+                                  </m:dPr>
+                                  <m:e>
+                                    <m:sSub>
+                                      <m:sSubPr>
+                                        <m:ctrlPr>
+                                          <a:rPr lang="en-US" b="1" i="1">
+                                            <a:solidFill>
+                                              <a:prstClr val="black"/>
+                                            </a:solidFill>
+                                            <a:latin typeface="Cambria Math" panose="02040503050406030204" pitchFamily="18" charset="0"/>
+                                            <a:ea typeface="等线" panose="02010600030101010101" pitchFamily="2" charset="-122"/>
+                                            <a:cs typeface="Times New Roman" panose="02020603050405020304" pitchFamily="18" charset="0"/>
+                                          </a:rPr>
+                                        </m:ctrlPr>
+                                      </m:sSubPr>
+                                      <m:e>
+                                        <m:r>
+                                          <a:rPr lang="en-US" b="1" i="1">
+                                            <a:solidFill>
+                                              <a:prstClr val="black"/>
+                                            </a:solidFill>
+                                            <a:latin typeface="Cambria Math" panose="02040503050406030204" pitchFamily="18" charset="0"/>
+                                            <a:ea typeface="等线" panose="02010600030101010101" pitchFamily="2" charset="-122"/>
+                                            <a:cs typeface="Times New Roman" panose="02020603050405020304" pitchFamily="18" charset="0"/>
+                                          </a:rPr>
+                                          <m:t>𝑑</m:t>
+                                        </m:r>
+                                      </m:e>
+                                      <m:sub>
+                                        <m:r>
+                                          <a:rPr lang="en-US" b="1" i="1">
+                                            <a:solidFill>
+                                              <a:prstClr val="black"/>
+                                            </a:solidFill>
+                                            <a:latin typeface="Cambria Math" panose="02040503050406030204" pitchFamily="18" charset="0"/>
+                                            <a:ea typeface="等线" panose="02010600030101010101" pitchFamily="2" charset="-122"/>
+                                            <a:cs typeface="Times New Roman" panose="02020603050405020304" pitchFamily="18" charset="0"/>
+                                          </a:rPr>
+                                          <m:t>𝑖</m:t>
+                                        </m:r>
+                                      </m:sub>
+                                    </m:sSub>
+                                    <m:r>
+                                      <a:rPr lang="en-US" b="1" i="1">
+                                        <a:solidFill>
+                                          <a:prstClr val="black"/>
+                                        </a:solidFill>
+                                        <a:latin typeface="Cambria Math" panose="02040503050406030204" pitchFamily="18" charset="0"/>
+                                        <a:ea typeface="等线" panose="02010600030101010101" pitchFamily="2" charset="-122"/>
+                                        <a:cs typeface="Times New Roman" panose="02020603050405020304" pitchFamily="18" charset="0"/>
+                                      </a:rPr>
+                                      <m:t>,</m:t>
+                                    </m:r>
+                                    <m:sSubSup>
+                                      <m:sSubSupPr>
+                                        <m:ctrlPr>
+                                          <a:rPr lang="en-US" b="1" i="1">
+                                            <a:solidFill>
+                                              <a:prstClr val="black"/>
+                                            </a:solidFill>
+                                            <a:latin typeface="Cambria Math" panose="02040503050406030204" pitchFamily="18" charset="0"/>
+                                            <a:ea typeface="等线" panose="02010600030101010101" pitchFamily="2" charset="-122"/>
+                                            <a:cs typeface="Times New Roman" panose="02020603050405020304" pitchFamily="18" charset="0"/>
+                                          </a:rPr>
+                                        </m:ctrlPr>
+                                      </m:sSubSupPr>
+                                      <m:e>
+                                        <m:r>
+                                          <a:rPr lang="en-US" b="1" i="1">
+                                            <a:solidFill>
+                                              <a:prstClr val="black"/>
+                                            </a:solidFill>
+                                            <a:latin typeface="Cambria Math" panose="02040503050406030204" pitchFamily="18" charset="0"/>
+                                            <a:ea typeface="等线" panose="02010600030101010101" pitchFamily="2" charset="-122"/>
+                                            <a:cs typeface="Times New Roman" panose="02020603050405020304" pitchFamily="18" charset="0"/>
+                                          </a:rPr>
+                                          <m:t>𝒄</m:t>
+                                        </m:r>
+                                      </m:e>
+                                      <m:sub>
+                                        <m:r>
+                                          <a:rPr lang="en-US" b="1" i="1">
+                                            <a:solidFill>
+                                              <a:prstClr val="black"/>
+                                            </a:solidFill>
+                                            <a:latin typeface="Cambria Math" panose="02040503050406030204" pitchFamily="18" charset="0"/>
+                                            <a:ea typeface="等线" panose="02010600030101010101" pitchFamily="2" charset="-122"/>
+                                            <a:cs typeface="Times New Roman" panose="02020603050405020304" pitchFamily="18" charset="0"/>
+                                          </a:rPr>
+                                          <m:t>𝑖</m:t>
+                                        </m:r>
+                                      </m:sub>
+                                      <m:sup>
+                                        <m:r>
+                                          <a:rPr lang="en-US" b="1" i="1">
+                                            <a:solidFill>
+                                              <a:prstClr val="black"/>
+                                            </a:solidFill>
+                                            <a:latin typeface="Cambria Math" panose="02040503050406030204" pitchFamily="18" charset="0"/>
+                                            <a:ea typeface="等线" panose="02010600030101010101" pitchFamily="2" charset="-122"/>
+                                            <a:cs typeface="Times New Roman" panose="02020603050405020304" pitchFamily="18" charset="0"/>
+                                          </a:rPr>
+                                          <m:t>′</m:t>
+                                        </m:r>
+                                      </m:sup>
+                                    </m:sSubSup>
+                                  </m:e>
+                                </m:d>
+                              </m:e>
+                              <m:sup>
+                                <m:r>
+                                  <a:rPr lang="en-US" b="1" i="1">
+                                    <a:solidFill>
+                                      <a:prstClr val="black"/>
+                                    </a:solidFill>
+                                    <a:latin typeface="Cambria Math" panose="02040503050406030204" pitchFamily="18" charset="0"/>
+                                    <a:ea typeface="等线" panose="02010600030101010101" pitchFamily="2" charset="-122"/>
+                                    <a:cs typeface="Times New Roman" panose="02020603050405020304" pitchFamily="18" charset="0"/>
+                                  </a:rPr>
+                                  <m:t>′</m:t>
+                                </m:r>
+                              </m:sup>
+                            </m:sSup>
+                          </m:e>
+                          <m:e>
+                            <m:sSubSup>
+                              <m:sSubSupPr>
+                                <m:ctrlPr>
+                                  <a:rPr lang="en-US" b="1" i="1">
+                                    <a:solidFill>
+                                      <a:prstClr val="black"/>
+                                    </a:solidFill>
+                                    <a:latin typeface="Cambria Math" panose="02040503050406030204" pitchFamily="18" charset="0"/>
+                                    <a:ea typeface="等线" panose="02010600030101010101" pitchFamily="2" charset="-122"/>
+                                    <a:cs typeface="Times New Roman" panose="02020603050405020304" pitchFamily="18" charset="0"/>
+                                  </a:rPr>
+                                </m:ctrlPr>
+                              </m:sSubSupPr>
+                              <m:e>
+                                <m:r>
+                                  <a:rPr lang="en-US" b="1" i="1">
+                                    <a:solidFill>
+                                      <a:prstClr val="black"/>
+                                    </a:solidFill>
+                                    <a:latin typeface="Cambria Math" panose="02040503050406030204" pitchFamily="18" charset="0"/>
+                                    <a:ea typeface="等线" panose="02010600030101010101" pitchFamily="2" charset="-122"/>
+                                    <a:cs typeface="Times New Roman" panose="02020603050405020304" pitchFamily="18" charset="0"/>
+                                  </a:rPr>
+                                  <m:t>𝝁</m:t>
+                                </m:r>
+                              </m:e>
+                              <m:sub>
+                                <m:r>
+                                  <a:rPr lang="en-US" b="1" i="1">
+                                    <a:solidFill>
+                                      <a:prstClr val="black"/>
+                                    </a:solidFill>
+                                    <a:latin typeface="Cambria Math" panose="02040503050406030204" pitchFamily="18" charset="0"/>
+                                    <a:ea typeface="等线" panose="02010600030101010101" pitchFamily="2" charset="-122"/>
+                                    <a:cs typeface="Times New Roman" panose="02020603050405020304" pitchFamily="18" charset="0"/>
+                                  </a:rPr>
+                                  <m:t>𝑑𝑐</m:t>
+                                </m:r>
+                              </m:sub>
+                              <m:sup>
+                                <m:d>
+                                  <m:dPr>
+                                    <m:ctrlPr>
+                                      <a:rPr lang="en-US" b="1" i="1">
+                                        <a:solidFill>
+                                          <a:prstClr val="black"/>
+                                        </a:solidFill>
+                                        <a:latin typeface="Cambria Math" panose="02040503050406030204" pitchFamily="18" charset="0"/>
+                                        <a:ea typeface="等线" panose="02010600030101010101" pitchFamily="2" charset="-122"/>
+                                        <a:cs typeface="Times New Roman" panose="02020603050405020304" pitchFamily="18" charset="0"/>
+                                      </a:rPr>
+                                    </m:ctrlPr>
+                                  </m:dPr>
+                                  <m:e>
+                                    <m:sSub>
+                                      <m:sSubPr>
+                                        <m:ctrlPr>
+                                          <a:rPr lang="en-US" b="1" i="1">
+                                            <a:solidFill>
+                                              <a:prstClr val="black"/>
+                                            </a:solidFill>
+                                            <a:latin typeface="Cambria Math" panose="02040503050406030204" pitchFamily="18" charset="0"/>
+                                            <a:ea typeface="等线" panose="02010600030101010101" pitchFamily="2" charset="-122"/>
+                                            <a:cs typeface="Times New Roman" panose="02020603050405020304" pitchFamily="18" charset="0"/>
+                                          </a:rPr>
+                                        </m:ctrlPr>
+                                      </m:sSubPr>
+                                      <m:e>
+                                        <m:r>
+                                          <a:rPr lang="en-US" b="1" i="1">
+                                            <a:solidFill>
+                                              <a:prstClr val="black"/>
+                                            </a:solidFill>
+                                            <a:latin typeface="Cambria Math" panose="02040503050406030204" pitchFamily="18" charset="0"/>
+                                            <a:ea typeface="等线" panose="02010600030101010101" pitchFamily="2" charset="-122"/>
+                                            <a:cs typeface="Times New Roman" panose="02020603050405020304" pitchFamily="18" charset="0"/>
+                                          </a:rPr>
+                                          <m:t>𝑧</m:t>
+                                        </m:r>
+                                      </m:e>
+                                      <m:sub>
+                                        <m:r>
+                                          <a:rPr lang="en-US" b="1" i="1">
+                                            <a:solidFill>
+                                              <a:prstClr val="black"/>
+                                            </a:solidFill>
+                                            <a:latin typeface="Cambria Math" panose="02040503050406030204" pitchFamily="18" charset="0"/>
+                                            <a:ea typeface="等线" panose="02010600030101010101" pitchFamily="2" charset="-122"/>
+                                            <a:cs typeface="Times New Roman" panose="02020603050405020304" pitchFamily="18" charset="0"/>
+                                          </a:rPr>
+                                          <m:t>𝑖</m:t>
+                                        </m:r>
+                                      </m:sub>
+                                    </m:sSub>
+                                  </m:e>
+                                </m:d>
+                              </m:sup>
+                            </m:sSubSup>
+                            <m:r>
+                              <a:rPr lang="en-US" b="1" i="1">
+                                <a:solidFill>
+                                  <a:prstClr val="black"/>
+                                </a:solidFill>
+                                <a:latin typeface="Cambria Math" panose="02040503050406030204" pitchFamily="18" charset="0"/>
+                                <a:ea typeface="等线" panose="02010600030101010101" pitchFamily="2" charset="-122"/>
+                                <a:cs typeface="Times New Roman" panose="02020603050405020304" pitchFamily="18" charset="0"/>
+                              </a:rPr>
+                              <m:t>, </m:t>
+                            </m:r>
+                            <m:sSubSup>
+                              <m:sSubSupPr>
+                                <m:ctrlPr>
+                                  <a:rPr lang="en-US" b="1" i="1">
+                                    <a:solidFill>
+                                      <a:prstClr val="black"/>
+                                    </a:solidFill>
+                                    <a:latin typeface="Cambria Math" panose="02040503050406030204" pitchFamily="18" charset="0"/>
+                                    <a:ea typeface="等线" panose="02010600030101010101" pitchFamily="2" charset="-122"/>
+                                    <a:cs typeface="Times New Roman" panose="02020603050405020304" pitchFamily="18" charset="0"/>
+                                  </a:rPr>
+                                </m:ctrlPr>
+                              </m:sSubSupPr>
+                              <m:e>
+                                <m:r>
+                                  <a:rPr lang="en-US" b="1" i="1">
+                                    <a:solidFill>
+                                      <a:prstClr val="black"/>
+                                    </a:solidFill>
+                                    <a:latin typeface="Cambria Math" panose="02040503050406030204" pitchFamily="18" charset="0"/>
+                                    <a:ea typeface="等线" panose="02010600030101010101" pitchFamily="2" charset="-122"/>
+                                    <a:cs typeface="Times New Roman" panose="02020603050405020304" pitchFamily="18" charset="0"/>
+                                  </a:rPr>
+                                  <m:t>𝚺</m:t>
+                                </m:r>
+                              </m:e>
+                              <m:sub>
+                                <m:r>
+                                  <a:rPr lang="en-US" b="1" i="1">
+                                    <a:solidFill>
+                                      <a:prstClr val="black"/>
+                                    </a:solidFill>
+                                    <a:latin typeface="Cambria Math" panose="02040503050406030204" pitchFamily="18" charset="0"/>
+                                    <a:ea typeface="等线" panose="02010600030101010101" pitchFamily="2" charset="-122"/>
+                                    <a:cs typeface="Times New Roman" panose="02020603050405020304" pitchFamily="18" charset="0"/>
+                                  </a:rPr>
+                                  <m:t>𝑑𝑐</m:t>
+                                </m:r>
+                              </m:sub>
+                              <m:sup>
+                                <m:d>
+                                  <m:dPr>
+                                    <m:ctrlPr>
+                                      <a:rPr lang="en-US" b="1" i="1">
+                                        <a:solidFill>
+                                          <a:prstClr val="black"/>
+                                        </a:solidFill>
+                                        <a:latin typeface="Cambria Math" panose="02040503050406030204" pitchFamily="18" charset="0"/>
+                                        <a:ea typeface="等线" panose="02010600030101010101" pitchFamily="2" charset="-122"/>
+                                        <a:cs typeface="Times New Roman" panose="02020603050405020304" pitchFamily="18" charset="0"/>
+                                      </a:rPr>
+                                    </m:ctrlPr>
+                                  </m:dPr>
+                                  <m:e>
+                                    <m:sSub>
+                                      <m:sSubPr>
+                                        <m:ctrlPr>
+                                          <a:rPr lang="en-US" b="1" i="1">
+                                            <a:solidFill>
+                                              <a:prstClr val="black"/>
+                                            </a:solidFill>
+                                            <a:latin typeface="Cambria Math" panose="02040503050406030204" pitchFamily="18" charset="0"/>
+                                            <a:ea typeface="等线" panose="02010600030101010101" pitchFamily="2" charset="-122"/>
+                                            <a:cs typeface="Times New Roman" panose="02020603050405020304" pitchFamily="18" charset="0"/>
+                                          </a:rPr>
+                                        </m:ctrlPr>
+                                      </m:sSubPr>
+                                      <m:e>
+                                        <m:r>
+                                          <a:rPr lang="en-US" b="1" i="1">
+                                            <a:solidFill>
+                                              <a:prstClr val="black"/>
+                                            </a:solidFill>
+                                            <a:latin typeface="Cambria Math" panose="02040503050406030204" pitchFamily="18" charset="0"/>
+                                            <a:ea typeface="等线" panose="02010600030101010101" pitchFamily="2" charset="-122"/>
+                                            <a:cs typeface="Times New Roman" panose="02020603050405020304" pitchFamily="18" charset="0"/>
+                                          </a:rPr>
+                                          <m:t>𝑧</m:t>
+                                        </m:r>
+                                      </m:e>
+                                      <m:sub>
+                                        <m:r>
+                                          <a:rPr lang="en-US" b="1" i="1">
+                                            <a:solidFill>
+                                              <a:prstClr val="black"/>
+                                            </a:solidFill>
+                                            <a:latin typeface="Cambria Math" panose="02040503050406030204" pitchFamily="18" charset="0"/>
+                                            <a:ea typeface="等线" panose="02010600030101010101" pitchFamily="2" charset="-122"/>
+                                            <a:cs typeface="Times New Roman" panose="02020603050405020304" pitchFamily="18" charset="0"/>
+                                          </a:rPr>
+                                          <m:t>𝑖</m:t>
+                                        </m:r>
+                                      </m:sub>
+                                    </m:sSub>
+                                  </m:e>
+                                </m:d>
+                              </m:sup>
+                            </m:sSubSup>
+                          </m:e>
+                        </m:d>
+                        <m:r>
+                          <a:rPr lang="en-US" i="1">
+                            <a:solidFill>
+                              <a:prstClr val="black"/>
+                            </a:solidFill>
+                            <a:latin typeface="Cambria Math" panose="02040503050406030204" pitchFamily="18" charset="0"/>
+                          </a:rPr>
+                          <m:t>𝑑</m:t>
+                        </m:r>
+                        <m:d>
+                          <m:dPr>
+                            <m:ctrlPr>
+                              <a:rPr lang="en-US" i="1">
+                                <a:solidFill>
+                                  <a:prstClr val="black"/>
+                                </a:solidFill>
+                                <a:latin typeface="Cambria Math" panose="02040503050406030204" pitchFamily="18" charset="0"/>
+                              </a:rPr>
+                            </m:ctrlPr>
+                          </m:dPr>
+                          <m:e>
+                            <m:sSup>
+                              <m:sSupPr>
+                                <m:ctrlPr>
+                                  <a:rPr lang="en-US" b="1" i="1">
+                                    <a:solidFill>
+                                      <a:prstClr val="black"/>
+                                    </a:solidFill>
+                                    <a:latin typeface="Cambria Math" panose="02040503050406030204" pitchFamily="18" charset="0"/>
+                                    <a:ea typeface="等线" panose="02010600030101010101" pitchFamily="2" charset="-122"/>
+                                    <a:cs typeface="Times New Roman" panose="02020603050405020304" pitchFamily="18" charset="0"/>
+                                  </a:rPr>
+                                </m:ctrlPr>
+                              </m:sSupPr>
+                              <m:e>
+                                <m:d>
+                                  <m:dPr>
+                                    <m:ctrlPr>
+                                      <a:rPr lang="en-US" b="1" i="1">
+                                        <a:solidFill>
+                                          <a:prstClr val="black"/>
+                                        </a:solidFill>
+                                        <a:latin typeface="Cambria Math" panose="02040503050406030204" pitchFamily="18" charset="0"/>
+                                        <a:ea typeface="等线" panose="02010600030101010101" pitchFamily="2" charset="-122"/>
+                                        <a:cs typeface="Times New Roman" panose="02020603050405020304" pitchFamily="18" charset="0"/>
+                                      </a:rPr>
+                                    </m:ctrlPr>
+                                  </m:dPr>
+                                  <m:e>
+                                    <m:sSub>
+                                      <m:sSubPr>
+                                        <m:ctrlPr>
+                                          <a:rPr lang="en-US" b="1" i="1">
+                                            <a:solidFill>
+                                              <a:prstClr val="black"/>
+                                            </a:solidFill>
+                                            <a:latin typeface="Cambria Math" panose="02040503050406030204" pitchFamily="18" charset="0"/>
+                                            <a:ea typeface="等线" panose="02010600030101010101" pitchFamily="2" charset="-122"/>
+                                            <a:cs typeface="Times New Roman" panose="02020603050405020304" pitchFamily="18" charset="0"/>
+                                          </a:rPr>
+                                        </m:ctrlPr>
+                                      </m:sSubPr>
+                                      <m:e>
+                                        <m:r>
+                                          <a:rPr lang="en-US" b="1" i="1">
+                                            <a:solidFill>
+                                              <a:prstClr val="black"/>
+                                            </a:solidFill>
+                                            <a:latin typeface="Cambria Math" panose="02040503050406030204" pitchFamily="18" charset="0"/>
+                                            <a:ea typeface="等线" panose="02010600030101010101" pitchFamily="2" charset="-122"/>
+                                            <a:cs typeface="Times New Roman" panose="02020603050405020304" pitchFamily="18" charset="0"/>
+                                          </a:rPr>
+                                          <m:t>𝑑</m:t>
+                                        </m:r>
+                                      </m:e>
+                                      <m:sub>
+                                        <m:r>
+                                          <a:rPr lang="en-US" b="1" i="1">
+                                            <a:solidFill>
+                                              <a:prstClr val="black"/>
+                                            </a:solidFill>
+                                            <a:latin typeface="Cambria Math" panose="02040503050406030204" pitchFamily="18" charset="0"/>
+                                            <a:ea typeface="等线" panose="02010600030101010101" pitchFamily="2" charset="-122"/>
+                                            <a:cs typeface="Times New Roman" panose="02020603050405020304" pitchFamily="18" charset="0"/>
+                                          </a:rPr>
+                                          <m:t>𝑖</m:t>
+                                        </m:r>
+                                      </m:sub>
+                                    </m:sSub>
+                                    <m:r>
+                                      <a:rPr lang="en-US" b="1" i="1">
+                                        <a:solidFill>
+                                          <a:prstClr val="black"/>
+                                        </a:solidFill>
+                                        <a:latin typeface="Cambria Math" panose="02040503050406030204" pitchFamily="18" charset="0"/>
+                                        <a:ea typeface="等线" panose="02010600030101010101" pitchFamily="2" charset="-122"/>
+                                        <a:cs typeface="Times New Roman" panose="02020603050405020304" pitchFamily="18" charset="0"/>
+                                      </a:rPr>
+                                      <m:t>,</m:t>
+                                    </m:r>
+                                    <m:sSubSup>
+                                      <m:sSubSupPr>
+                                        <m:ctrlPr>
+                                          <a:rPr lang="en-US" b="1" i="1">
+                                            <a:solidFill>
+                                              <a:prstClr val="black"/>
+                                            </a:solidFill>
+                                            <a:latin typeface="Cambria Math" panose="02040503050406030204" pitchFamily="18" charset="0"/>
+                                            <a:ea typeface="等线" panose="02010600030101010101" pitchFamily="2" charset="-122"/>
+                                            <a:cs typeface="Times New Roman" panose="02020603050405020304" pitchFamily="18" charset="0"/>
+                                          </a:rPr>
+                                        </m:ctrlPr>
+                                      </m:sSubSupPr>
+                                      <m:e>
+                                        <m:r>
+                                          <a:rPr lang="en-US" b="1" i="1">
+                                            <a:solidFill>
+                                              <a:prstClr val="black"/>
+                                            </a:solidFill>
+                                            <a:latin typeface="Cambria Math" panose="02040503050406030204" pitchFamily="18" charset="0"/>
+                                            <a:ea typeface="等线" panose="02010600030101010101" pitchFamily="2" charset="-122"/>
+                                            <a:cs typeface="Times New Roman" panose="02020603050405020304" pitchFamily="18" charset="0"/>
+                                          </a:rPr>
+                                          <m:t>𝒄</m:t>
+                                        </m:r>
+                                      </m:e>
+                                      <m:sub>
+                                        <m:r>
+                                          <a:rPr lang="en-US" b="1" i="1">
+                                            <a:solidFill>
+                                              <a:prstClr val="black"/>
+                                            </a:solidFill>
+                                            <a:latin typeface="Cambria Math" panose="02040503050406030204" pitchFamily="18" charset="0"/>
+                                            <a:ea typeface="等线" panose="02010600030101010101" pitchFamily="2" charset="-122"/>
+                                            <a:cs typeface="Times New Roman" panose="02020603050405020304" pitchFamily="18" charset="0"/>
+                                          </a:rPr>
+                                          <m:t>𝑖</m:t>
+                                        </m:r>
+                                      </m:sub>
+                                      <m:sup>
+                                        <m:r>
+                                          <a:rPr lang="en-US" b="1" i="1">
+                                            <a:solidFill>
+                                              <a:prstClr val="black"/>
+                                            </a:solidFill>
+                                            <a:latin typeface="Cambria Math" panose="02040503050406030204" pitchFamily="18" charset="0"/>
+                                            <a:ea typeface="等线" panose="02010600030101010101" pitchFamily="2" charset="-122"/>
+                                            <a:cs typeface="Times New Roman" panose="02020603050405020304" pitchFamily="18" charset="0"/>
+                                          </a:rPr>
+                                          <m:t>′</m:t>
+                                        </m:r>
+                                      </m:sup>
+                                    </m:sSubSup>
+                                  </m:e>
+                                </m:d>
+                              </m:e>
+                              <m:sup>
+                                <m:r>
+                                  <a:rPr lang="en-US" b="1" i="1">
+                                    <a:solidFill>
+                                      <a:prstClr val="black"/>
+                                    </a:solidFill>
+                                    <a:latin typeface="Cambria Math" panose="02040503050406030204" pitchFamily="18" charset="0"/>
+                                    <a:ea typeface="等线" panose="02010600030101010101" pitchFamily="2" charset="-122"/>
+                                    <a:cs typeface="Times New Roman" panose="02020603050405020304" pitchFamily="18" charset="0"/>
+                                  </a:rPr>
+                                  <m:t>′</m:t>
+                                </m:r>
+                              </m:sup>
+                            </m:sSup>
+                          </m:e>
+                        </m:d>
+                      </m:e>
+                    </m:nary>
+                  </m:oMath>
+                </a14:m>
+                <a:endParaRPr lang="en-US" dirty="0">
+                  <a:sym typeface="Wingdings" panose="05000000000000000000" pitchFamily="2" charset="2"/>
+                </a:endParaRPr>
+              </a:p>
+              <a:p>
+                <a:r>
+                  <a:rPr lang="en-US" dirty="0">
+                    <a:sym typeface="Wingdings" panose="05000000000000000000" pitchFamily="2" charset="2"/>
+                  </a:rPr>
+                  <a:t>Looks promising, </a:t>
+                </a:r>
+                <a:r>
+                  <a:rPr lang="en-US" b="1" dirty="0">
+                    <a:solidFill>
+                      <a:srgbClr val="FF0000"/>
+                    </a:solidFill>
+                    <a:sym typeface="Wingdings" panose="05000000000000000000" pitchFamily="2" charset="2"/>
+                  </a:rPr>
+                  <a:t>but…super unstable</a:t>
+                </a:r>
+              </a:p>
+              <a:p>
+                <a:pPr lvl="1"/>
+                <a:endParaRPr lang="en-US" dirty="0"/>
+              </a:p>
+              <a:p>
+                <a:pPr lvl="1"/>
+                <a:endParaRPr lang="en-US" dirty="0"/>
+              </a:p>
+            </p:txBody>
+          </p:sp>
+        </mc:Choice>
+        <mc:Fallback>
+          <p:sp>
+            <p:nvSpPr>
+              <p:cNvPr id="3" name="Content Placeholder 2">
+                <a:extLst>
+                  <a:ext uri="{FF2B5EF4-FFF2-40B4-BE49-F238E27FC236}">
+                    <a16:creationId xmlns:a16="http://schemas.microsoft.com/office/drawing/2014/main" id="{70346B15-5161-4B3B-8BE9-19B575AA58B4}"/>
+                  </a:ext>
+                </a:extLst>
+              </p:cNvPr>
+              <p:cNvSpPr>
+                <a:spLocks noGrp="1" noRot="1" noChangeAspect="1" noMove="1" noResize="1" noEditPoints="1" noAdjustHandles="1" noChangeArrowheads="1" noChangeShapeType="1" noTextEdit="1"/>
+              </p:cNvSpPr>
+              <p:nvPr>
+                <p:ph idx="1"/>
+              </p:nvPr>
+            </p:nvSpPr>
+            <p:spPr>
+              <a:blipFill>
+                <a:blip r:embed="rId2"/>
+                <a:stretch>
+                  <a:fillRect l="-1043" t="-560"/>
+                </a:stretch>
+              </a:blipFill>
+            </p:spPr>
+            <p:txBody>
+              <a:bodyPr/>
+              <a:lstStyle/>
+              <a:p>
+                <a:r>
+                  <a:rPr lang="en-US">
+                    <a:noFill/>
+                  </a:rPr>
+                  <a:t> </a:t>
+                </a:r>
+              </a:p>
+            </p:txBody>
+          </p:sp>
+        </mc:Fallback>
+      </mc:AlternateContent>
+    </p:spTree>
+    <p:extLst>
+      <p:ext uri="{BB962C8B-B14F-4D97-AF65-F5344CB8AC3E}">
+        <p14:creationId xmlns:p14="http://schemas.microsoft.com/office/powerpoint/2010/main" val="1095321121"/>
+      </p:ext>
+    </p:extLst>
+  </p:cSld>
+  <p:clrMapOvr>
+    <a:masterClrMapping/>
+  </p:clrMapOvr>
+</p:sld>
+</file>
+
+<file path=ppt/slides/slide16.xml><?xml version="1.0" encoding="utf-8"?>
+<p:sld xmlns:a="http://schemas.openxmlformats.org/drawingml/2006/main" xmlns:r="http://schemas.openxmlformats.org/officeDocument/2006/relationships" xmlns:p="http://schemas.openxmlformats.org/presentationml/2006/main">
+  <p:cSld>
+    <p:spTree>
+      <p:nvGrpSpPr>
+        <p:cNvPr id="1" name=""/>
+        <p:cNvGrpSpPr/>
+        <p:nvPr/>
+      </p:nvGrpSpPr>
+      <p:grpSpPr>
+        <a:xfrm>
+          <a:off x="0" y="0"/>
+          <a:ext cx="0" cy="0"/>
+          <a:chOff x="0" y="0"/>
+          <a:chExt cx="0" cy="0"/>
+        </a:xfrm>
+      </p:grpSpPr>
+      <p:sp>
+        <p:nvSpPr>
+          <p:cNvPr id="2" name="Title 1">
+            <a:extLst>
+              <a:ext uri="{FF2B5EF4-FFF2-40B4-BE49-F238E27FC236}">
+                <a16:creationId xmlns:a16="http://schemas.microsoft.com/office/drawing/2014/main" id="{AA3B1BE5-904F-4ADC-BCDB-873AB5CBF8E1}"/>
+              </a:ext>
+            </a:extLst>
+          </p:cNvPr>
+          <p:cNvSpPr>
+            <a:spLocks noGrp="1"/>
+          </p:cNvSpPr>
+          <p:nvPr>
+            <p:ph type="title"/>
+          </p:nvPr>
+        </p:nvSpPr>
+        <p:spPr/>
+        <p:txBody>
+          <a:bodyPr/>
+          <a:lstStyle/>
+          <a:p>
+            <a:r>
+              <a:rPr lang="en-US" dirty="0"/>
+              <a:t>Appendix (Simulation 2 revisit)</a:t>
+            </a:r>
+          </a:p>
+        </p:txBody>
+      </p:sp>
+      <p:pic>
+        <p:nvPicPr>
+          <p:cNvPr id="4" name="Picture 3">
+            <a:extLst>
+              <a:ext uri="{FF2B5EF4-FFF2-40B4-BE49-F238E27FC236}">
+                <a16:creationId xmlns:a16="http://schemas.microsoft.com/office/drawing/2014/main" id="{0536A4EA-4B38-43BA-A38D-48BB6E74BB91}"/>
+              </a:ext>
+            </a:extLst>
+          </p:cNvPr>
+          <p:cNvPicPr>
+            <a:picLocks noChangeAspect="1"/>
+          </p:cNvPicPr>
+          <p:nvPr/>
+        </p:nvPicPr>
+        <p:blipFill>
+          <a:blip r:embed="rId2">
+            <a:extLst>
+              <a:ext uri="{28A0092B-C50C-407E-A947-70E740481C1C}">
+                <a14:useLocalDpi xmlns:a14="http://schemas.microsoft.com/office/drawing/2010/main" val="0"/>
+              </a:ext>
+            </a:extLst>
+          </a:blip>
+          <a:srcRect/>
+          <a:stretch>
+            <a:fillRect/>
+          </a:stretch>
+        </p:blipFill>
+        <p:spPr bwMode="auto">
+          <a:xfrm>
+            <a:off x="773430" y="2241074"/>
+            <a:ext cx="5322570" cy="3990340"/>
+          </a:xfrm>
+          <a:prstGeom prst="rect">
+            <a:avLst/>
+          </a:prstGeom>
+          <a:noFill/>
+          <a:ln>
+            <a:noFill/>
+          </a:ln>
+        </p:spPr>
+      </p:pic>
+      <p:pic>
+        <p:nvPicPr>
+          <p:cNvPr id="5" name="Picture 4">
+            <a:extLst>
+              <a:ext uri="{FF2B5EF4-FFF2-40B4-BE49-F238E27FC236}">
+                <a16:creationId xmlns:a16="http://schemas.microsoft.com/office/drawing/2014/main" id="{4EBC6C29-C75C-440D-B206-45246E095229}"/>
+              </a:ext>
+            </a:extLst>
+          </p:cNvPr>
+          <p:cNvPicPr>
+            <a:picLocks noChangeAspect="1"/>
+          </p:cNvPicPr>
+          <p:nvPr/>
+        </p:nvPicPr>
+        <p:blipFill>
+          <a:blip r:embed="rId3">
+            <a:extLst>
+              <a:ext uri="{28A0092B-C50C-407E-A947-70E740481C1C}">
+                <a14:useLocalDpi xmlns:a14="http://schemas.microsoft.com/office/drawing/2010/main" val="0"/>
+              </a:ext>
+            </a:extLst>
+          </a:blip>
+          <a:srcRect/>
+          <a:stretch>
+            <a:fillRect/>
+          </a:stretch>
+        </p:blipFill>
+        <p:spPr bwMode="auto">
+          <a:xfrm>
+            <a:off x="6096000" y="2241074"/>
+            <a:ext cx="5322570" cy="3990340"/>
+          </a:xfrm>
+          <a:prstGeom prst="rect">
+            <a:avLst/>
+          </a:prstGeom>
+          <a:noFill/>
+          <a:ln>
+            <a:noFill/>
+          </a:ln>
+        </p:spPr>
+      </p:pic>
+      <p:sp>
+        <p:nvSpPr>
+          <p:cNvPr id="6" name="TextBox 5">
+            <a:extLst>
+              <a:ext uri="{FF2B5EF4-FFF2-40B4-BE49-F238E27FC236}">
+                <a16:creationId xmlns:a16="http://schemas.microsoft.com/office/drawing/2014/main" id="{FD938D27-AACD-4DE1-8435-8B40C9487E41}"/>
+              </a:ext>
+            </a:extLst>
+          </p:cNvPr>
+          <p:cNvSpPr txBox="1"/>
+          <p:nvPr/>
+        </p:nvSpPr>
+        <p:spPr>
+          <a:xfrm>
+            <a:off x="2681913" y="1764020"/>
+            <a:ext cx="1505605" cy="477054"/>
+          </a:xfrm>
+          <a:prstGeom prst="rect">
+            <a:avLst/>
+          </a:prstGeom>
+          <a:noFill/>
+        </p:spPr>
+        <p:txBody>
+          <a:bodyPr wrap="none" rtlCol="0">
+            <a:spAutoFit/>
+          </a:bodyPr>
+          <a:lstStyle/>
+          <a:p>
+            <a:r>
+              <a:rPr lang="en-US" sz="2500" b="1" dirty="0"/>
+              <a:t>Raw trace</a:t>
+            </a:r>
+          </a:p>
+        </p:txBody>
+      </p:sp>
+      <p:sp>
+        <p:nvSpPr>
+          <p:cNvPr id="9" name="TextBox 8">
+            <a:extLst>
+              <a:ext uri="{FF2B5EF4-FFF2-40B4-BE49-F238E27FC236}">
+                <a16:creationId xmlns:a16="http://schemas.microsoft.com/office/drawing/2014/main" id="{E498DA9F-BDF6-41F1-B5A2-0E79F645F108}"/>
+              </a:ext>
+            </a:extLst>
+          </p:cNvPr>
+          <p:cNvSpPr txBox="1"/>
+          <p:nvPr/>
+        </p:nvSpPr>
+        <p:spPr>
+          <a:xfrm>
+            <a:off x="7852902" y="1764020"/>
+            <a:ext cx="1808765" cy="477054"/>
+          </a:xfrm>
+          <a:prstGeom prst="rect">
+            <a:avLst/>
+          </a:prstGeom>
+          <a:noFill/>
+        </p:spPr>
+        <p:txBody>
+          <a:bodyPr wrap="none" rtlCol="0">
+            <a:spAutoFit/>
+          </a:bodyPr>
+          <a:lstStyle/>
+          <a:p>
+            <a:r>
+              <a:rPr lang="en-US" sz="2500" b="1" dirty="0"/>
+              <a:t>Sorted trace</a:t>
+            </a:r>
+          </a:p>
+        </p:txBody>
+      </p:sp>
+    </p:spTree>
+    <p:extLst>
+      <p:ext uri="{BB962C8B-B14F-4D97-AF65-F5344CB8AC3E}">
+        <p14:creationId xmlns:p14="http://schemas.microsoft.com/office/powerpoint/2010/main" val="1645754436"/>
       </p:ext>
     </p:extLst>
   </p:cSld>
@@ -9676,8 +12048,8 @@
           </a:p>
         </p:txBody>
       </p:sp>
-      <mc:AlternateContent xmlns:mc="http://schemas.openxmlformats.org/markup-compatibility/2006" xmlns:a14="http://schemas.microsoft.com/office/drawing/2010/main">
-        <mc:Choice Requires="a14">
+      <mc:AlternateContent xmlns:mc="http://schemas.openxmlformats.org/markup-compatibility/2006">
+        <mc:Choice xmlns:a14="http://schemas.microsoft.com/office/drawing/2010/main" Requires="a14">
           <p:sp>
             <p:nvSpPr>
               <p:cNvPr id="3" name="Content Placeholder 2">
@@ -9704,6 +12076,426 @@
                 <a:r>
                   <a:rPr lang="en-US" b="1" dirty="0"/>
                   <a:t>Remark 1</a:t>
+                </a:r>
+                <a:r>
+                  <a:rPr lang="en-US" dirty="0"/>
+                  <a:t>: Constraints for model identifiability</a:t>
+                </a:r>
+              </a:p>
+              <a:p>
+                <a:pPr lvl="1"/>
+                <a14:m>
+                  <m:oMath xmlns:m="http://schemas.openxmlformats.org/officeDocument/2006/math">
+                    <m:sSup>
+                      <m:sSupPr>
+                        <m:ctrlPr>
+                          <a:rPr lang="en-US" i="1" dirty="0" smtClean="0">
+                            <a:latin typeface="Cambria Math" panose="02040503050406030204" pitchFamily="18" charset="0"/>
+                          </a:rPr>
+                        </m:ctrlPr>
+                      </m:sSupPr>
+                      <m:e>
+                        <m:r>
+                          <a:rPr lang="en-US" i="1" dirty="0" smtClean="0">
+                            <a:latin typeface="Cambria Math" panose="02040503050406030204" pitchFamily="18" charset="0"/>
+                          </a:rPr>
+                          <m:t>𝑿</m:t>
+                        </m:r>
+                      </m:e>
+                      <m:sup>
+                        <m:d>
+                          <m:dPr>
+                            <m:ctrlPr>
+                              <a:rPr lang="en-US" i="1" dirty="0" smtClean="0">
+                                <a:latin typeface="Cambria Math" panose="02040503050406030204" pitchFamily="18" charset="0"/>
+                              </a:rPr>
+                            </m:ctrlPr>
+                          </m:dPr>
+                          <m:e>
+                            <m:r>
+                              <a:rPr lang="en-US" i="1" dirty="0" smtClean="0">
+                                <a:latin typeface="Cambria Math" panose="02040503050406030204" pitchFamily="18" charset="0"/>
+                              </a:rPr>
+                              <m:t>𝑘</m:t>
+                            </m:r>
+                          </m:e>
+                        </m:d>
+                      </m:sup>
+                    </m:sSup>
+                    <m:r>
+                      <a:rPr lang="en-US" i="1" dirty="0" smtClean="0">
+                        <a:latin typeface="Cambria Math" panose="02040503050406030204" pitchFamily="18" charset="0"/>
+                      </a:rPr>
+                      <m:t>=</m:t>
+                    </m:r>
+                    <m:d>
+                      <m:dPr>
+                        <m:ctrlPr>
+                          <a:rPr lang="en-US" i="1" dirty="0" smtClean="0">
+                            <a:latin typeface="Cambria Math" panose="02040503050406030204" pitchFamily="18" charset="0"/>
+                          </a:rPr>
+                        </m:ctrlPr>
+                      </m:dPr>
+                      <m:e>
+                        <m:sSubSup>
+                          <m:sSubSupPr>
+                            <m:ctrlPr>
+                              <a:rPr lang="en-US" i="1" dirty="0" smtClean="0">
+                                <a:latin typeface="Cambria Math" panose="02040503050406030204" pitchFamily="18" charset="0"/>
+                              </a:rPr>
+                            </m:ctrlPr>
+                          </m:sSubSupPr>
+                          <m:e>
+                            <m:r>
+                              <a:rPr lang="en-US" i="1" dirty="0" smtClean="0">
+                                <a:latin typeface="Cambria Math" panose="02040503050406030204" pitchFamily="18" charset="0"/>
+                              </a:rPr>
+                              <m:t>𝒙</m:t>
+                            </m:r>
+                          </m:e>
+                          <m:sub>
+                            <m:r>
+                              <a:rPr lang="en-US" i="1" dirty="0" smtClean="0">
+                                <a:latin typeface="Cambria Math" panose="02040503050406030204" pitchFamily="18" charset="0"/>
+                              </a:rPr>
+                              <m:t>1</m:t>
+                            </m:r>
+                          </m:sub>
+                          <m:sup>
+                            <m:d>
+                              <m:dPr>
+                                <m:ctrlPr>
+                                  <a:rPr lang="en-US" i="1" dirty="0" smtClean="0">
+                                    <a:latin typeface="Cambria Math" panose="02040503050406030204" pitchFamily="18" charset="0"/>
+                                  </a:rPr>
+                                </m:ctrlPr>
+                              </m:dPr>
+                              <m:e>
+                                <m:r>
+                                  <a:rPr lang="en-US" i="1" dirty="0" smtClean="0">
+                                    <a:latin typeface="Cambria Math" panose="02040503050406030204" pitchFamily="18" charset="0"/>
+                                  </a:rPr>
+                                  <m:t>𝑘</m:t>
+                                </m:r>
+                              </m:e>
+                            </m:d>
+                          </m:sup>
+                        </m:sSubSup>
+                        <m:r>
+                          <a:rPr lang="en-US" i="1" dirty="0" smtClean="0">
+                            <a:latin typeface="Cambria Math" panose="02040503050406030204" pitchFamily="18" charset="0"/>
+                          </a:rPr>
+                          <m:t>,…,</m:t>
+                        </m:r>
+                        <m:sSubSup>
+                          <m:sSubSupPr>
+                            <m:ctrlPr>
+                              <a:rPr lang="en-US" i="1" dirty="0" smtClean="0">
+                                <a:latin typeface="Cambria Math" panose="02040503050406030204" pitchFamily="18" charset="0"/>
+                              </a:rPr>
+                            </m:ctrlPr>
+                          </m:sSubSupPr>
+                          <m:e>
+                            <m:r>
+                              <a:rPr lang="en-US" i="1" dirty="0" smtClean="0">
+                                <a:latin typeface="Cambria Math" panose="02040503050406030204" pitchFamily="18" charset="0"/>
+                              </a:rPr>
+                              <m:t>𝒙</m:t>
+                            </m:r>
+                          </m:e>
+                          <m:sub>
+                            <m:r>
+                              <a:rPr lang="en-US" i="1" dirty="0" smtClean="0">
+                                <a:latin typeface="Cambria Math" panose="02040503050406030204" pitchFamily="18" charset="0"/>
+                              </a:rPr>
+                              <m:t>𝑇</m:t>
+                            </m:r>
+                          </m:sub>
+                          <m:sup>
+                            <m:d>
+                              <m:dPr>
+                                <m:ctrlPr>
+                                  <a:rPr lang="en-US" i="1" dirty="0" smtClean="0">
+                                    <a:latin typeface="Cambria Math" panose="02040503050406030204" pitchFamily="18" charset="0"/>
+                                  </a:rPr>
+                                </m:ctrlPr>
+                              </m:dPr>
+                              <m:e>
+                                <m:r>
+                                  <a:rPr lang="en-US" i="1" dirty="0" smtClean="0">
+                                    <a:latin typeface="Cambria Math" panose="02040503050406030204" pitchFamily="18" charset="0"/>
+                                  </a:rPr>
+                                  <m:t>𝑘</m:t>
+                                </m:r>
+                              </m:e>
+                            </m:d>
+                          </m:sup>
+                        </m:sSubSup>
+                      </m:e>
+                    </m:d>
+                    <m:r>
+                      <a:rPr lang="en-US" i="1" dirty="0" smtClean="0">
+                        <a:latin typeface="Cambria Math" panose="02040503050406030204" pitchFamily="18" charset="0"/>
+                      </a:rPr>
+                      <m:t>∈</m:t>
+                    </m:r>
+                    <m:sSup>
+                      <m:sSupPr>
+                        <m:ctrlPr>
+                          <a:rPr lang="en-US" i="1" dirty="0" smtClean="0">
+                            <a:latin typeface="Cambria Math" panose="02040503050406030204" pitchFamily="18" charset="0"/>
+                          </a:rPr>
+                        </m:ctrlPr>
+                      </m:sSupPr>
+                      <m:e>
+                        <m:r>
+                          <a:rPr lang="en-US" i="1" dirty="0" smtClean="0">
+                            <a:latin typeface="Cambria Math" panose="02040503050406030204" pitchFamily="18" charset="0"/>
+                          </a:rPr>
+                          <m:t>ℝ</m:t>
+                        </m:r>
+                      </m:e>
+                      <m:sup>
+                        <m:r>
+                          <a:rPr lang="en-US" i="1" dirty="0" smtClean="0">
+                            <a:latin typeface="Cambria Math" panose="02040503050406030204" pitchFamily="18" charset="0"/>
+                          </a:rPr>
+                          <m:t>𝑝</m:t>
+                        </m:r>
+                        <m:r>
+                          <a:rPr lang="en-US" i="1" dirty="0" smtClean="0">
+                            <a:latin typeface="Cambria Math" panose="02040503050406030204" pitchFamily="18" charset="0"/>
+                          </a:rPr>
+                          <m:t>×</m:t>
+                        </m:r>
+                        <m:r>
+                          <a:rPr lang="en-US" i="1" dirty="0" smtClean="0">
+                            <a:latin typeface="Cambria Math" panose="02040503050406030204" pitchFamily="18" charset="0"/>
+                          </a:rPr>
+                          <m:t>𝑇</m:t>
+                        </m:r>
+                      </m:sup>
+                    </m:sSup>
+                  </m:oMath>
+                </a14:m>
+                <a:r>
+                  <a:rPr lang="en-US" dirty="0"/>
+                  <a:t>: each row of has mean 0 and </a:t>
+                </a:r>
+                <a14:m>
+                  <m:oMath xmlns:m="http://schemas.openxmlformats.org/officeDocument/2006/math">
+                    <m:sSup>
+                      <m:sSupPr>
+                        <m:ctrlPr>
+                          <a:rPr lang="en-US" i="1" dirty="0" smtClean="0">
+                            <a:latin typeface="Cambria Math" panose="02040503050406030204" pitchFamily="18" charset="0"/>
+                          </a:rPr>
+                        </m:ctrlPr>
+                      </m:sSupPr>
+                      <m:e>
+                        <m:r>
+                          <a:rPr lang="en-US" i="1" dirty="0" smtClean="0">
+                            <a:latin typeface="Cambria Math" panose="02040503050406030204" pitchFamily="18" charset="0"/>
+                          </a:rPr>
+                          <m:t>𝑿</m:t>
+                        </m:r>
+                      </m:e>
+                      <m:sup>
+                        <m:d>
+                          <m:dPr>
+                            <m:ctrlPr>
+                              <a:rPr lang="en-US" i="1" dirty="0" smtClean="0">
+                                <a:latin typeface="Cambria Math" panose="02040503050406030204" pitchFamily="18" charset="0"/>
+                              </a:rPr>
+                            </m:ctrlPr>
+                          </m:dPr>
+                          <m:e>
+                            <m:r>
+                              <a:rPr lang="en-US" i="1" dirty="0" smtClean="0">
+                                <a:latin typeface="Cambria Math" panose="02040503050406030204" pitchFamily="18" charset="0"/>
+                              </a:rPr>
+                              <m:t>𝑘</m:t>
+                            </m:r>
+                          </m:e>
+                        </m:d>
+                      </m:sup>
+                    </m:sSup>
+                    <m:sSup>
+                      <m:sSupPr>
+                        <m:ctrlPr>
+                          <a:rPr lang="en-US" i="1" dirty="0" smtClean="0">
+                            <a:latin typeface="Cambria Math" panose="02040503050406030204" pitchFamily="18" charset="0"/>
+                          </a:rPr>
+                        </m:ctrlPr>
+                      </m:sSupPr>
+                      <m:e>
+                        <m:r>
+                          <a:rPr lang="en-US" i="1" dirty="0" smtClean="0">
+                            <a:latin typeface="Cambria Math" panose="02040503050406030204" pitchFamily="18" charset="0"/>
+                          </a:rPr>
+                          <m:t>𝑿</m:t>
+                        </m:r>
+                      </m:e>
+                      <m:sup>
+                        <m:r>
+                          <a:rPr lang="en-US" i="1" dirty="0" smtClean="0">
+                            <a:latin typeface="Cambria Math" panose="02040503050406030204" pitchFamily="18" charset="0"/>
+                          </a:rPr>
+                          <m:t>′</m:t>
+                        </m:r>
+                        <m:d>
+                          <m:dPr>
+                            <m:ctrlPr>
+                              <a:rPr lang="en-US" i="1" dirty="0" smtClean="0">
+                                <a:latin typeface="Cambria Math" panose="02040503050406030204" pitchFamily="18" charset="0"/>
+                              </a:rPr>
+                            </m:ctrlPr>
+                          </m:dPr>
+                          <m:e>
+                            <m:r>
+                              <a:rPr lang="en-US" i="1" dirty="0" smtClean="0">
+                                <a:latin typeface="Cambria Math" panose="02040503050406030204" pitchFamily="18" charset="0"/>
+                              </a:rPr>
+                              <m:t>𝑘</m:t>
+                            </m:r>
+                          </m:e>
+                        </m:d>
+                      </m:sup>
+                    </m:sSup>
+                    <m:r>
+                      <a:rPr lang="en-US" i="1" dirty="0" smtClean="0">
+                        <a:latin typeface="Cambria Math" panose="02040503050406030204" pitchFamily="18" charset="0"/>
+                      </a:rPr>
+                      <m:t>=</m:t>
+                    </m:r>
+                    <m:sSub>
+                      <m:sSubPr>
+                        <m:ctrlPr>
+                          <a:rPr lang="en-US" i="1" dirty="0" smtClean="0">
+                            <a:latin typeface="Cambria Math" panose="02040503050406030204" pitchFamily="18" charset="0"/>
+                          </a:rPr>
+                        </m:ctrlPr>
+                      </m:sSubPr>
+                      <m:e>
+                        <m:r>
+                          <a:rPr lang="en-US" i="1" dirty="0" smtClean="0">
+                            <a:latin typeface="Cambria Math" panose="02040503050406030204" pitchFamily="18" charset="0"/>
+                          </a:rPr>
+                          <m:t>𝑰</m:t>
+                        </m:r>
+                      </m:e>
+                      <m:sub>
+                        <m:r>
+                          <a:rPr lang="en-US" i="1" dirty="0" smtClean="0">
+                            <a:latin typeface="Cambria Math" panose="02040503050406030204" pitchFamily="18" charset="0"/>
+                          </a:rPr>
+                          <m:t>𝑝</m:t>
+                        </m:r>
+                      </m:sub>
+                    </m:sSub>
+                  </m:oMath>
+                </a14:m>
+                <a:endParaRPr lang="en-US" dirty="0"/>
+              </a:p>
+              <a:p>
+                <a:pPr lvl="1"/>
+                <a:r>
+                  <a:rPr lang="en-US" dirty="0"/>
+                  <a:t>+ diagonal </a:t>
+                </a:r>
+                <a14:m>
+                  <m:oMath xmlns:m="http://schemas.openxmlformats.org/officeDocument/2006/math">
+                    <m:sSup>
+                      <m:sSupPr>
+                        <m:ctrlPr>
+                          <a:rPr lang="en-US" i="1" dirty="0" smtClean="0">
+                            <a:latin typeface="Cambria Math" panose="02040503050406030204" pitchFamily="18" charset="0"/>
+                          </a:rPr>
+                        </m:ctrlPr>
+                      </m:sSupPr>
+                      <m:e>
+                        <m:r>
+                          <a:rPr lang="en-US" i="1" dirty="0" smtClean="0">
+                            <a:latin typeface="Cambria Math" panose="02040503050406030204" pitchFamily="18" charset="0"/>
+                          </a:rPr>
+                          <m:t>𝑨</m:t>
+                        </m:r>
+                      </m:e>
+                      <m:sup>
+                        <m:d>
+                          <m:dPr>
+                            <m:ctrlPr>
+                              <a:rPr lang="en-US" i="1" dirty="0" smtClean="0">
+                                <a:latin typeface="Cambria Math" panose="02040503050406030204" pitchFamily="18" charset="0"/>
+                              </a:rPr>
+                            </m:ctrlPr>
+                          </m:dPr>
+                          <m:e>
+                            <m:r>
+                              <a:rPr lang="en-US" i="1" dirty="0" smtClean="0">
+                                <a:latin typeface="Cambria Math" panose="02040503050406030204" pitchFamily="18" charset="0"/>
+                              </a:rPr>
+                              <m:t>𝑘</m:t>
+                            </m:r>
+                          </m:e>
+                        </m:d>
+                      </m:sup>
+                    </m:sSup>
+                  </m:oMath>
+                </a14:m>
+                <a:r>
+                  <a:rPr lang="en-US" dirty="0"/>
+                  <a:t>and </a:t>
+                </a:r>
+                <a14:m>
+                  <m:oMath xmlns:m="http://schemas.openxmlformats.org/officeDocument/2006/math">
+                    <m:sSup>
+                      <m:sSupPr>
+                        <m:ctrlPr>
+                          <a:rPr lang="en-US" i="1" dirty="0" smtClean="0">
+                            <a:latin typeface="Cambria Math" panose="02040503050406030204" pitchFamily="18" charset="0"/>
+                          </a:rPr>
+                        </m:ctrlPr>
+                      </m:sSupPr>
+                      <m:e>
+                        <m:r>
+                          <a:rPr lang="en-US" i="1" dirty="0" smtClean="0">
+                            <a:latin typeface="Cambria Math" panose="02040503050406030204" pitchFamily="18" charset="0"/>
+                          </a:rPr>
+                          <m:t>𝑸</m:t>
+                        </m:r>
+                      </m:e>
+                      <m:sup>
+                        <m:d>
+                          <m:dPr>
+                            <m:ctrlPr>
+                              <a:rPr lang="en-US" i="1" dirty="0" smtClean="0">
+                                <a:latin typeface="Cambria Math" panose="02040503050406030204" pitchFamily="18" charset="0"/>
+                              </a:rPr>
+                            </m:ctrlPr>
+                          </m:dPr>
+                          <m:e>
+                            <m:r>
+                              <a:rPr lang="en-US" i="1" dirty="0" smtClean="0">
+                                <a:latin typeface="Cambria Math" panose="02040503050406030204" pitchFamily="18" charset="0"/>
+                              </a:rPr>
+                              <m:t>𝑘</m:t>
+                            </m:r>
+                          </m:e>
+                        </m:d>
+                      </m:sup>
+                    </m:sSup>
+                  </m:oMath>
+                </a14:m>
+                <a:r>
+                  <a:rPr lang="en-US" dirty="0"/>
+                  <a:t> = identifiable model</a:t>
+                </a:r>
+              </a:p>
+              <a:p>
+                <a:r>
+                  <a:rPr lang="en-US" b="1" dirty="0"/>
+                  <a:t>Remark 2</a:t>
                 </a:r>
                 <a:r>
                   <a:rPr lang="en-US" dirty="0"/>
@@ -10482,431 +13274,7 @@
                   </a:rPr>
                   <a:t> help inference for these</a:t>
                 </a:r>
-                <a:endParaRPr lang="en-US" b="0" dirty="0">
-                  <a:solidFill>
-                    <a:schemeClr val="tx1"/>
-                  </a:solidFill>
-                </a:endParaRPr>
-              </a:p>
-              <a:p>
-                <a:r>
-                  <a:rPr lang="en-US" b="1" dirty="0"/>
-                  <a:t>Remark 2</a:t>
-                </a:r>
-                <a:r>
-                  <a:rPr lang="en-US" dirty="0"/>
-                  <a:t>: Constraints for model identifiability</a:t>
-                </a:r>
-              </a:p>
-              <a:p>
-                <a:pPr lvl="1"/>
-                <a14:m>
-                  <m:oMath xmlns:m="http://schemas.openxmlformats.org/officeDocument/2006/math">
-                    <m:sSup>
-                      <m:sSupPr>
-                        <m:ctrlPr>
-                          <a:rPr lang="en-US" i="1" dirty="0" smtClean="0">
-                            <a:latin typeface="Cambria Math" panose="02040503050406030204" pitchFamily="18" charset="0"/>
-                          </a:rPr>
-                        </m:ctrlPr>
-                      </m:sSupPr>
-                      <m:e>
-                        <m:r>
-                          <a:rPr lang="en-US" i="1" dirty="0" smtClean="0">
-                            <a:latin typeface="Cambria Math" panose="02040503050406030204" pitchFamily="18" charset="0"/>
-                          </a:rPr>
-                          <m:t>𝑿</m:t>
-                        </m:r>
-                      </m:e>
-                      <m:sup>
-                        <m:d>
-                          <m:dPr>
-                            <m:ctrlPr>
-                              <a:rPr lang="en-US" i="1" dirty="0" smtClean="0">
-                                <a:latin typeface="Cambria Math" panose="02040503050406030204" pitchFamily="18" charset="0"/>
-                              </a:rPr>
-                            </m:ctrlPr>
-                          </m:dPr>
-                          <m:e>
-                            <m:r>
-                              <a:rPr lang="en-US" i="1" dirty="0" smtClean="0">
-                                <a:latin typeface="Cambria Math" panose="02040503050406030204" pitchFamily="18" charset="0"/>
-                              </a:rPr>
-                              <m:t>𝑘</m:t>
-                            </m:r>
-                          </m:e>
-                        </m:d>
-                      </m:sup>
-                    </m:sSup>
-                    <m:r>
-                      <a:rPr lang="en-US" i="1" dirty="0" smtClean="0">
-                        <a:latin typeface="Cambria Math" panose="02040503050406030204" pitchFamily="18" charset="0"/>
-                      </a:rPr>
-                      <m:t>=</m:t>
-                    </m:r>
-                    <m:d>
-                      <m:dPr>
-                        <m:ctrlPr>
-                          <a:rPr lang="en-US" i="1" dirty="0" smtClean="0">
-                            <a:latin typeface="Cambria Math" panose="02040503050406030204" pitchFamily="18" charset="0"/>
-                          </a:rPr>
-                        </m:ctrlPr>
-                      </m:dPr>
-                      <m:e>
-                        <m:sSubSup>
-                          <m:sSubSupPr>
-                            <m:ctrlPr>
-                              <a:rPr lang="en-US" i="1" dirty="0" smtClean="0">
-                                <a:latin typeface="Cambria Math" panose="02040503050406030204" pitchFamily="18" charset="0"/>
-                              </a:rPr>
-                            </m:ctrlPr>
-                          </m:sSubSupPr>
-                          <m:e>
-                            <m:r>
-                              <a:rPr lang="en-US" i="1" dirty="0" smtClean="0">
-                                <a:latin typeface="Cambria Math" panose="02040503050406030204" pitchFamily="18" charset="0"/>
-                              </a:rPr>
-                              <m:t>𝒙</m:t>
-                            </m:r>
-                          </m:e>
-                          <m:sub>
-                            <m:r>
-                              <a:rPr lang="en-US" i="1" dirty="0" smtClean="0">
-                                <a:latin typeface="Cambria Math" panose="02040503050406030204" pitchFamily="18" charset="0"/>
-                              </a:rPr>
-                              <m:t>1</m:t>
-                            </m:r>
-                          </m:sub>
-                          <m:sup>
-                            <m:d>
-                              <m:dPr>
-                                <m:ctrlPr>
-                                  <a:rPr lang="en-US" i="1" dirty="0" smtClean="0">
-                                    <a:latin typeface="Cambria Math" panose="02040503050406030204" pitchFamily="18" charset="0"/>
-                                  </a:rPr>
-                                </m:ctrlPr>
-                              </m:dPr>
-                              <m:e>
-                                <m:r>
-                                  <a:rPr lang="en-US" i="1" dirty="0" smtClean="0">
-                                    <a:latin typeface="Cambria Math" panose="02040503050406030204" pitchFamily="18" charset="0"/>
-                                  </a:rPr>
-                                  <m:t>𝑘</m:t>
-                                </m:r>
-                              </m:e>
-                            </m:d>
-                          </m:sup>
-                        </m:sSubSup>
-                        <m:r>
-                          <a:rPr lang="en-US" i="1" dirty="0" smtClean="0">
-                            <a:latin typeface="Cambria Math" panose="02040503050406030204" pitchFamily="18" charset="0"/>
-                          </a:rPr>
-                          <m:t>,…,</m:t>
-                        </m:r>
-                        <m:sSubSup>
-                          <m:sSubSupPr>
-                            <m:ctrlPr>
-                              <a:rPr lang="en-US" i="1" dirty="0" smtClean="0">
-                                <a:latin typeface="Cambria Math" panose="02040503050406030204" pitchFamily="18" charset="0"/>
-                              </a:rPr>
-                            </m:ctrlPr>
-                          </m:sSubSupPr>
-                          <m:e>
-                            <m:r>
-                              <a:rPr lang="en-US" i="1" dirty="0" smtClean="0">
-                                <a:latin typeface="Cambria Math" panose="02040503050406030204" pitchFamily="18" charset="0"/>
-                              </a:rPr>
-                              <m:t>𝒙</m:t>
-                            </m:r>
-                          </m:e>
-                          <m:sub>
-                            <m:r>
-                              <a:rPr lang="en-US" i="1" dirty="0" smtClean="0">
-                                <a:latin typeface="Cambria Math" panose="02040503050406030204" pitchFamily="18" charset="0"/>
-                              </a:rPr>
-                              <m:t>𝑇</m:t>
-                            </m:r>
-                          </m:sub>
-                          <m:sup>
-                            <m:d>
-                              <m:dPr>
-                                <m:ctrlPr>
-                                  <a:rPr lang="en-US" i="1" dirty="0" smtClean="0">
-                                    <a:latin typeface="Cambria Math" panose="02040503050406030204" pitchFamily="18" charset="0"/>
-                                  </a:rPr>
-                                </m:ctrlPr>
-                              </m:dPr>
-                              <m:e>
-                                <m:r>
-                                  <a:rPr lang="en-US" i="1" dirty="0" smtClean="0">
-                                    <a:latin typeface="Cambria Math" panose="02040503050406030204" pitchFamily="18" charset="0"/>
-                                  </a:rPr>
-                                  <m:t>𝑘</m:t>
-                                </m:r>
-                              </m:e>
-                            </m:d>
-                          </m:sup>
-                        </m:sSubSup>
-                      </m:e>
-                    </m:d>
-                    <m:r>
-                      <a:rPr lang="en-US" i="1" dirty="0" smtClean="0">
-                        <a:latin typeface="Cambria Math" panose="02040503050406030204" pitchFamily="18" charset="0"/>
-                      </a:rPr>
-                      <m:t>∈</m:t>
-                    </m:r>
-                    <m:sSup>
-                      <m:sSupPr>
-                        <m:ctrlPr>
-                          <a:rPr lang="en-US" i="1" dirty="0" smtClean="0">
-                            <a:latin typeface="Cambria Math" panose="02040503050406030204" pitchFamily="18" charset="0"/>
-                          </a:rPr>
-                        </m:ctrlPr>
-                      </m:sSupPr>
-                      <m:e>
-                        <m:r>
-                          <a:rPr lang="en-US" i="1" dirty="0" smtClean="0">
-                            <a:latin typeface="Cambria Math" panose="02040503050406030204" pitchFamily="18" charset="0"/>
-                          </a:rPr>
-                          <m:t>ℝ</m:t>
-                        </m:r>
-                      </m:e>
-                      <m:sup>
-                        <m:r>
-                          <a:rPr lang="en-US" i="1" dirty="0" smtClean="0">
-                            <a:latin typeface="Cambria Math" panose="02040503050406030204" pitchFamily="18" charset="0"/>
-                          </a:rPr>
-                          <m:t>𝑝</m:t>
-                        </m:r>
-                        <m:r>
-                          <a:rPr lang="en-US" i="1" dirty="0" smtClean="0">
-                            <a:latin typeface="Cambria Math" panose="02040503050406030204" pitchFamily="18" charset="0"/>
-                          </a:rPr>
-                          <m:t>×</m:t>
-                        </m:r>
-                        <m:r>
-                          <a:rPr lang="en-US" i="1" dirty="0" smtClean="0">
-                            <a:latin typeface="Cambria Math" panose="02040503050406030204" pitchFamily="18" charset="0"/>
-                          </a:rPr>
-                          <m:t>𝑇</m:t>
-                        </m:r>
-                      </m:sup>
-                    </m:sSup>
-                  </m:oMath>
-                </a14:m>
-                <a:r>
-                  <a:rPr lang="en-US" dirty="0"/>
-                  <a:t>: each row of has mean 0 and </a:t>
-                </a:r>
-                <a14:m>
-                  <m:oMath xmlns:m="http://schemas.openxmlformats.org/officeDocument/2006/math">
-                    <m:sSup>
-                      <m:sSupPr>
-                        <m:ctrlPr>
-                          <a:rPr lang="en-US" i="1" dirty="0" smtClean="0">
-                            <a:latin typeface="Cambria Math" panose="02040503050406030204" pitchFamily="18" charset="0"/>
-                          </a:rPr>
-                        </m:ctrlPr>
-                      </m:sSupPr>
-                      <m:e>
-                        <m:r>
-                          <a:rPr lang="en-US" i="1" dirty="0" smtClean="0">
-                            <a:latin typeface="Cambria Math" panose="02040503050406030204" pitchFamily="18" charset="0"/>
-                          </a:rPr>
-                          <m:t>𝑿</m:t>
-                        </m:r>
-                      </m:e>
-                      <m:sup>
-                        <m:d>
-                          <m:dPr>
-                            <m:ctrlPr>
-                              <a:rPr lang="en-US" i="1" dirty="0" smtClean="0">
-                                <a:latin typeface="Cambria Math" panose="02040503050406030204" pitchFamily="18" charset="0"/>
-                              </a:rPr>
-                            </m:ctrlPr>
-                          </m:dPr>
-                          <m:e>
-                            <m:r>
-                              <a:rPr lang="en-US" i="1" dirty="0" smtClean="0">
-                                <a:latin typeface="Cambria Math" panose="02040503050406030204" pitchFamily="18" charset="0"/>
-                              </a:rPr>
-                              <m:t>𝑘</m:t>
-                            </m:r>
-                          </m:e>
-                        </m:d>
-                      </m:sup>
-                    </m:sSup>
-                    <m:sSup>
-                      <m:sSupPr>
-                        <m:ctrlPr>
-                          <a:rPr lang="en-US" i="1" dirty="0" smtClean="0">
-                            <a:latin typeface="Cambria Math" panose="02040503050406030204" pitchFamily="18" charset="0"/>
-                          </a:rPr>
-                        </m:ctrlPr>
-                      </m:sSupPr>
-                      <m:e>
-                        <m:r>
-                          <a:rPr lang="en-US" i="1" dirty="0" smtClean="0">
-                            <a:latin typeface="Cambria Math" panose="02040503050406030204" pitchFamily="18" charset="0"/>
-                          </a:rPr>
-                          <m:t>𝑿</m:t>
-                        </m:r>
-                      </m:e>
-                      <m:sup>
-                        <m:r>
-                          <a:rPr lang="en-US" i="1" dirty="0" smtClean="0">
-                            <a:latin typeface="Cambria Math" panose="02040503050406030204" pitchFamily="18" charset="0"/>
-                          </a:rPr>
-                          <m:t>′</m:t>
-                        </m:r>
-                        <m:d>
-                          <m:dPr>
-                            <m:ctrlPr>
-                              <a:rPr lang="en-US" i="1" dirty="0" smtClean="0">
-                                <a:latin typeface="Cambria Math" panose="02040503050406030204" pitchFamily="18" charset="0"/>
-                              </a:rPr>
-                            </m:ctrlPr>
-                          </m:dPr>
-                          <m:e>
-                            <m:r>
-                              <a:rPr lang="en-US" i="1" dirty="0" smtClean="0">
-                                <a:latin typeface="Cambria Math" panose="02040503050406030204" pitchFamily="18" charset="0"/>
-                              </a:rPr>
-                              <m:t>𝑘</m:t>
-                            </m:r>
-                          </m:e>
-                        </m:d>
-                      </m:sup>
-                    </m:sSup>
-                    <m:r>
-                      <a:rPr lang="en-US" i="1" dirty="0" smtClean="0">
-                        <a:latin typeface="Cambria Math" panose="02040503050406030204" pitchFamily="18" charset="0"/>
-                      </a:rPr>
-                      <m:t>=</m:t>
-                    </m:r>
-                    <m:sSub>
-                      <m:sSubPr>
-                        <m:ctrlPr>
-                          <a:rPr lang="en-US" i="1" dirty="0" smtClean="0">
-                            <a:latin typeface="Cambria Math" panose="02040503050406030204" pitchFamily="18" charset="0"/>
-                          </a:rPr>
-                        </m:ctrlPr>
-                      </m:sSubPr>
-                      <m:e>
-                        <m:r>
-                          <a:rPr lang="en-US" i="1" dirty="0" smtClean="0">
-                            <a:latin typeface="Cambria Math" panose="02040503050406030204" pitchFamily="18" charset="0"/>
-                          </a:rPr>
-                          <m:t>𝑰</m:t>
-                        </m:r>
-                      </m:e>
-                      <m:sub>
-                        <m:r>
-                          <a:rPr lang="en-US" i="1" dirty="0" smtClean="0">
-                            <a:latin typeface="Cambria Math" panose="02040503050406030204" pitchFamily="18" charset="0"/>
-                          </a:rPr>
-                          <m:t>𝑝</m:t>
-                        </m:r>
-                      </m:sub>
-                    </m:sSub>
-                  </m:oMath>
-                </a14:m>
                 <a:endParaRPr lang="en-US" dirty="0"/>
-              </a:p>
-              <a:p>
-                <a:pPr lvl="1"/>
-                <a:r>
-                  <a:rPr lang="en-US" dirty="0"/>
-                  <a:t>+ diagonal </a:t>
-                </a:r>
-                <a14:m>
-                  <m:oMath xmlns:m="http://schemas.openxmlformats.org/officeDocument/2006/math">
-                    <m:sSup>
-                      <m:sSupPr>
-                        <m:ctrlPr>
-                          <a:rPr lang="en-US" i="1" dirty="0" smtClean="0">
-                            <a:latin typeface="Cambria Math" panose="02040503050406030204" pitchFamily="18" charset="0"/>
-                          </a:rPr>
-                        </m:ctrlPr>
-                      </m:sSupPr>
-                      <m:e>
-                        <m:r>
-                          <a:rPr lang="en-US" i="1" dirty="0" smtClean="0">
-                            <a:latin typeface="Cambria Math" panose="02040503050406030204" pitchFamily="18" charset="0"/>
-                          </a:rPr>
-                          <m:t>𝑨</m:t>
-                        </m:r>
-                      </m:e>
-                      <m:sup>
-                        <m:d>
-                          <m:dPr>
-                            <m:ctrlPr>
-                              <a:rPr lang="en-US" i="1" dirty="0" smtClean="0">
-                                <a:latin typeface="Cambria Math" panose="02040503050406030204" pitchFamily="18" charset="0"/>
-                              </a:rPr>
-                            </m:ctrlPr>
-                          </m:dPr>
-                          <m:e>
-                            <m:r>
-                              <a:rPr lang="en-US" i="1" dirty="0" smtClean="0">
-                                <a:latin typeface="Cambria Math" panose="02040503050406030204" pitchFamily="18" charset="0"/>
-                              </a:rPr>
-                              <m:t>𝑘</m:t>
-                            </m:r>
-                          </m:e>
-                        </m:d>
-                      </m:sup>
-                    </m:sSup>
-                  </m:oMath>
-                </a14:m>
-                <a:r>
-                  <a:rPr lang="en-US" dirty="0"/>
-                  <a:t>and </a:t>
-                </a:r>
-                <a14:m>
-                  <m:oMath xmlns:m="http://schemas.openxmlformats.org/officeDocument/2006/math">
-                    <m:sSup>
-                      <m:sSupPr>
-                        <m:ctrlPr>
-                          <a:rPr lang="en-US" i="1" dirty="0" smtClean="0">
-                            <a:latin typeface="Cambria Math" panose="02040503050406030204" pitchFamily="18" charset="0"/>
-                          </a:rPr>
-                        </m:ctrlPr>
-                      </m:sSupPr>
-                      <m:e>
-                        <m:r>
-                          <a:rPr lang="en-US" i="1" dirty="0" smtClean="0">
-                            <a:latin typeface="Cambria Math" panose="02040503050406030204" pitchFamily="18" charset="0"/>
-                          </a:rPr>
-                          <m:t>𝑸</m:t>
-                        </m:r>
-                      </m:e>
-                      <m:sup>
-                        <m:d>
-                          <m:dPr>
-                            <m:ctrlPr>
-                              <a:rPr lang="en-US" i="1" dirty="0" smtClean="0">
-                                <a:latin typeface="Cambria Math" panose="02040503050406030204" pitchFamily="18" charset="0"/>
-                              </a:rPr>
-                            </m:ctrlPr>
-                          </m:dPr>
-                          <m:e>
-                            <m:r>
-                              <a:rPr lang="en-US" i="1" dirty="0" smtClean="0">
-                                <a:latin typeface="Cambria Math" panose="02040503050406030204" pitchFamily="18" charset="0"/>
-                              </a:rPr>
-                              <m:t>𝑘</m:t>
-                            </m:r>
-                          </m:e>
-                        </m:d>
-                      </m:sup>
-                    </m:sSup>
-                  </m:oMath>
-                </a14:m>
-                <a:r>
-                  <a:rPr lang="en-US" dirty="0"/>
-                  <a:t> = identifiable model</a:t>
-                </a:r>
               </a:p>
               <a:p>
                 <a:r>
@@ -11133,7 +13501,7 @@
             </p:txBody>
           </p:sp>
         </mc:Choice>
-        <mc:Fallback xmlns="">
+        <mc:Fallback>
           <p:sp>
             <p:nvSpPr>
               <p:cNvPr id="3" name="Content Placeholder 2">
@@ -11154,7 +13522,7 @@
               <a:blipFill>
                 <a:blip r:embed="rId2"/>
                 <a:stretch>
-                  <a:fillRect l="-928" t="-1120" b="-140"/>
+                  <a:fillRect l="-928" t="-2801" b="-140"/>
                 </a:stretch>
               </a:blipFill>
             </p:spPr>
@@ -11231,8 +13599,8 @@
           </a:p>
         </p:txBody>
       </p:sp>
-      <mc:AlternateContent xmlns:mc="http://schemas.openxmlformats.org/markup-compatibility/2006">
-        <mc:Choice xmlns:a14="http://schemas.microsoft.com/office/drawing/2010/main" Requires="a14">
+      <mc:AlternateContent xmlns:mc="http://schemas.openxmlformats.org/markup-compatibility/2006" xmlns:a14="http://schemas.microsoft.com/office/drawing/2010/main">
+        <mc:Choice Requires="a14">
           <p:sp>
             <p:nvSpPr>
               <p:cNvPr id="3" name="Content Placeholder 2">
@@ -13234,7 +15602,7 @@
             </p:txBody>
           </p:sp>
         </mc:Choice>
-        <mc:Fallback>
+        <mc:Fallback xmlns="">
           <p:sp>
             <p:nvSpPr>
               <p:cNvPr id="3" name="Content Placeholder 2">
